--- a/Conference/2603_Moonshot/6_summary.pptx
+++ b/Conference/2603_Moonshot/6_summary.pptx
@@ -2,12 +2,12 @@
 <file path=ppt/presentation.xml><?xml version="1.0" encoding="utf-8"?>
 <p:presentation xmlns:a="http://schemas.openxmlformats.org/drawingml/2006/main" xmlns:r="http://schemas.openxmlformats.org/officeDocument/2006/relationships" xmlns:p="http://schemas.openxmlformats.org/presentationml/2006/main" saveSubsetFonts="1" autoCompressPictures="0">
   <p:sldMasterIdLst>
-    <p:sldMasterId id="2147483696" r:id="rId1"/>
+    <p:sldMasterId id="2147483708" r:id="rId1"/>
   </p:sldMasterIdLst>
   <p:sldIdLst>
     <p:sldId id="256" r:id="rId2"/>
   </p:sldIdLst>
-  <p:sldSz cx="13506450" cy="4691063"/>
+  <p:sldSz cx="27943175" cy="4776788"/>
   <p:notesSz cx="6858000" cy="9144000"/>
   <p:defaultTextStyle>
     <a:defPPr>
@@ -107,12 +107,12 @@
   <p:extLst>
     <p:ext uri="{EFAFB233-063F-42B5-8137-9DF3F51BA10A}">
       <p15:sldGuideLst xmlns:p15="http://schemas.microsoft.com/office/powerpoint/2012/main">
-        <p15:guide id="1" orient="horz" pos="1478" userDrawn="1">
+        <p15:guide id="1" orient="horz" pos="1505" userDrawn="1">
           <p15:clr>
             <a:srgbClr val="A4A3A4"/>
           </p15:clr>
         </p15:guide>
-        <p15:guide id="2" pos="4254" userDrawn="1">
+        <p15:guide id="2" pos="8801" userDrawn="1">
           <p15:clr>
             <a:srgbClr val="A4A3A4"/>
           </p15:clr>
@@ -152,15 +152,15 @@
         </p:nvSpPr>
         <p:spPr>
           <a:xfrm>
-            <a:off x="1688306" y="767727"/>
-            <a:ext cx="10129838" cy="1633185"/>
+            <a:off x="3492897" y="781757"/>
+            <a:ext cx="20957381" cy="1663030"/>
           </a:xfrm>
         </p:spPr>
         <p:txBody>
           <a:bodyPr anchor="b"/>
           <a:lstStyle>
             <a:lvl1pPr algn="ctr">
-              <a:defRPr sz="4104"/>
+              <a:defRPr sz="4179"/>
             </a:lvl1pPr>
           </a:lstStyle>
           <a:p>
@@ -184,8 +184,8 @@
         </p:nvSpPr>
         <p:spPr>
           <a:xfrm>
-            <a:off x="1688306" y="2463894"/>
-            <a:ext cx="10129838" cy="1132587"/>
+            <a:off x="3492897" y="2508920"/>
+            <a:ext cx="20957381" cy="1153284"/>
           </a:xfrm>
         </p:spPr>
         <p:txBody>
@@ -193,39 +193,39 @@
           <a:lstStyle>
             <a:lvl1pPr marL="0" indent="0" algn="ctr">
               <a:buNone/>
-              <a:defRPr sz="1642"/>
+              <a:defRPr sz="1672"/>
             </a:lvl1pPr>
-            <a:lvl2pPr marL="312725" indent="0" algn="ctr">
-              <a:buNone/>
-              <a:defRPr sz="1368"/>
+            <a:lvl2pPr marL="318440" indent="0" algn="ctr">
+              <a:buNone/>
+              <a:defRPr sz="1393"/>
             </a:lvl2pPr>
-            <a:lvl3pPr marL="625450" indent="0" algn="ctr">
-              <a:buNone/>
-              <a:defRPr sz="1231"/>
+            <a:lvl3pPr marL="636880" indent="0" algn="ctr">
+              <a:buNone/>
+              <a:defRPr sz="1254"/>
             </a:lvl3pPr>
-            <a:lvl4pPr marL="938174" indent="0" algn="ctr">
-              <a:buNone/>
-              <a:defRPr sz="1094"/>
+            <a:lvl4pPr marL="955319" indent="0" algn="ctr">
+              <a:buNone/>
+              <a:defRPr sz="1114"/>
             </a:lvl4pPr>
-            <a:lvl5pPr marL="1250899" indent="0" algn="ctr">
-              <a:buNone/>
-              <a:defRPr sz="1094"/>
+            <a:lvl5pPr marL="1273759" indent="0" algn="ctr">
+              <a:buNone/>
+              <a:defRPr sz="1114"/>
             </a:lvl5pPr>
-            <a:lvl6pPr marL="1563624" indent="0" algn="ctr">
-              <a:buNone/>
-              <a:defRPr sz="1094"/>
+            <a:lvl6pPr marL="1592199" indent="0" algn="ctr">
+              <a:buNone/>
+              <a:defRPr sz="1114"/>
             </a:lvl6pPr>
-            <a:lvl7pPr marL="1876349" indent="0" algn="ctr">
-              <a:buNone/>
-              <a:defRPr sz="1094"/>
+            <a:lvl7pPr marL="1910639" indent="0" algn="ctr">
+              <a:buNone/>
+              <a:defRPr sz="1114"/>
             </a:lvl7pPr>
-            <a:lvl8pPr marL="2189074" indent="0" algn="ctr">
-              <a:buNone/>
-              <a:defRPr sz="1094"/>
+            <a:lvl8pPr marL="2229079" indent="0" algn="ctr">
+              <a:buNone/>
+              <a:defRPr sz="1114"/>
             </a:lvl8pPr>
-            <a:lvl9pPr marL="2501798" indent="0" algn="ctr">
-              <a:buNone/>
-              <a:defRPr sz="1094"/>
+            <a:lvl9pPr marL="2547518" indent="0" algn="ctr">
+              <a:buNone/>
+              <a:defRPr sz="1114"/>
             </a:lvl9pPr>
           </a:lstStyle>
           <a:p>
@@ -254,7 +254,7 @@
           <a:p>
             <a:fld id="{F602A9BB-8336-1F4C-AA8D-E45E345636B3}" type="datetimeFigureOut">
               <a:rPr kumimoji="1" lang="ja-JP" altLang="en-US" smtClean="0"/>
-              <a:t>2026/1/9</a:t>
+              <a:t>2026/2/12</a:t>
             </a:fld>
             <a:endParaRPr kumimoji="1" lang="ja-JP" altLang="en-US"/>
           </a:p>
@@ -305,7 +305,7 @@
     </p:spTree>
     <p:extLst>
       <p:ext uri="{BB962C8B-B14F-4D97-AF65-F5344CB8AC3E}">
-        <p14:creationId xmlns:p14="http://schemas.microsoft.com/office/powerpoint/2010/main" val="2562960743"/>
+        <p14:creationId xmlns:p14="http://schemas.microsoft.com/office/powerpoint/2010/main" val="1962517697"/>
       </p:ext>
     </p:extLst>
   </p:cSld>
@@ -456,7 +456,7 @@
           <a:p>
             <a:fld id="{F602A9BB-8336-1F4C-AA8D-E45E345636B3}" type="datetimeFigureOut">
               <a:rPr kumimoji="1" lang="ja-JP" altLang="en-US" smtClean="0"/>
-              <a:t>2026/1/9</a:t>
+              <a:t>2026/2/12</a:t>
             </a:fld>
             <a:endParaRPr kumimoji="1" lang="ja-JP" altLang="en-US"/>
           </a:p>
@@ -507,7 +507,7 @@
     </p:spTree>
     <p:extLst>
       <p:ext uri="{BB962C8B-B14F-4D97-AF65-F5344CB8AC3E}">
-        <p14:creationId xmlns:p14="http://schemas.microsoft.com/office/powerpoint/2010/main" val="3535875142"/>
+        <p14:creationId xmlns:p14="http://schemas.microsoft.com/office/powerpoint/2010/main" val="4023105027"/>
       </p:ext>
     </p:extLst>
   </p:cSld>
@@ -546,8 +546,8 @@
         </p:nvSpPr>
         <p:spPr>
           <a:xfrm>
-            <a:off x="9665553" y="249756"/>
-            <a:ext cx="2912328" cy="3975459"/>
+            <a:off x="19996835" y="254320"/>
+            <a:ext cx="6025247" cy="4048107"/>
           </a:xfrm>
         </p:spPr>
         <p:txBody>
@@ -574,8 +574,8 @@
         </p:nvSpPr>
         <p:spPr>
           <a:xfrm>
-            <a:off x="928569" y="249756"/>
-            <a:ext cx="8568154" cy="3975459"/>
+            <a:off x="1921093" y="254320"/>
+            <a:ext cx="17726452" cy="4048107"/>
           </a:xfrm>
         </p:spPr>
         <p:txBody>
@@ -668,7 +668,7 @@
           <a:p>
             <a:fld id="{F602A9BB-8336-1F4C-AA8D-E45E345636B3}" type="datetimeFigureOut">
               <a:rPr kumimoji="1" lang="ja-JP" altLang="en-US" smtClean="0"/>
-              <a:t>2026/1/9</a:t>
+              <a:t>2026/2/12</a:t>
             </a:fld>
             <a:endParaRPr kumimoji="1" lang="ja-JP" altLang="en-US"/>
           </a:p>
@@ -719,7 +719,7 @@
     </p:spTree>
     <p:extLst>
       <p:ext uri="{BB962C8B-B14F-4D97-AF65-F5344CB8AC3E}">
-        <p14:creationId xmlns:p14="http://schemas.microsoft.com/office/powerpoint/2010/main" val="4145728768"/>
+        <p14:creationId xmlns:p14="http://schemas.microsoft.com/office/powerpoint/2010/main" val="1989285252"/>
       </p:ext>
     </p:extLst>
   </p:cSld>
@@ -870,7 +870,7 @@
           <a:p>
             <a:fld id="{F602A9BB-8336-1F4C-AA8D-E45E345636B3}" type="datetimeFigureOut">
               <a:rPr kumimoji="1" lang="ja-JP" altLang="en-US" smtClean="0"/>
-              <a:t>2026/1/9</a:t>
+              <a:t>2026/2/12</a:t>
             </a:fld>
             <a:endParaRPr kumimoji="1" lang="ja-JP" altLang="en-US"/>
           </a:p>
@@ -921,7 +921,7 @@
     </p:spTree>
     <p:extLst>
       <p:ext uri="{BB962C8B-B14F-4D97-AF65-F5344CB8AC3E}">
-        <p14:creationId xmlns:p14="http://schemas.microsoft.com/office/powerpoint/2010/main" val="2289734181"/>
+        <p14:creationId xmlns:p14="http://schemas.microsoft.com/office/powerpoint/2010/main" val="2423485251"/>
       </p:ext>
     </p:extLst>
   </p:cSld>
@@ -960,15 +960,15 @@
         </p:nvSpPr>
         <p:spPr>
           <a:xfrm>
-            <a:off x="921534" y="1169509"/>
-            <a:ext cx="11649313" cy="1951352"/>
+            <a:off x="1906540" y="1190880"/>
+            <a:ext cx="24100988" cy="1987011"/>
           </a:xfrm>
         </p:spPr>
         <p:txBody>
           <a:bodyPr anchor="b"/>
           <a:lstStyle>
             <a:lvl1pPr>
-              <a:defRPr sz="4104"/>
+              <a:defRPr sz="4179"/>
             </a:lvl1pPr>
           </a:lstStyle>
           <a:p>
@@ -992,8 +992,8 @@
         </p:nvSpPr>
         <p:spPr>
           <a:xfrm>
-            <a:off x="921534" y="3139321"/>
-            <a:ext cx="11649313" cy="1026170"/>
+            <a:off x="1906540" y="3196689"/>
+            <a:ext cx="24100988" cy="1044922"/>
           </a:xfrm>
         </p:spPr>
         <p:txBody>
@@ -1001,7 +1001,7 @@
           <a:lstStyle>
             <a:lvl1pPr marL="0" indent="0">
               <a:buNone/>
-              <a:defRPr sz="1642">
+              <a:defRPr sz="1672">
                 <a:solidFill>
                   <a:schemeClr val="tx1">
                     <a:tint val="75000"/>
@@ -1009,9 +1009,9 @@
                 </a:solidFill>
               </a:defRPr>
             </a:lvl1pPr>
-            <a:lvl2pPr marL="312725" indent="0">
-              <a:buNone/>
-              <a:defRPr sz="1368">
+            <a:lvl2pPr marL="318440" indent="0">
+              <a:buNone/>
+              <a:defRPr sz="1393">
                 <a:solidFill>
                   <a:schemeClr val="tx1">
                     <a:tint val="75000"/>
@@ -1019,9 +1019,9 @@
                 </a:solidFill>
               </a:defRPr>
             </a:lvl2pPr>
-            <a:lvl3pPr marL="625450" indent="0">
-              <a:buNone/>
-              <a:defRPr sz="1231">
+            <a:lvl3pPr marL="636880" indent="0">
+              <a:buNone/>
+              <a:defRPr sz="1254">
                 <a:solidFill>
                   <a:schemeClr val="tx1">
                     <a:tint val="75000"/>
@@ -1029,9 +1029,9 @@
                 </a:solidFill>
               </a:defRPr>
             </a:lvl3pPr>
-            <a:lvl4pPr marL="938174" indent="0">
-              <a:buNone/>
-              <a:defRPr sz="1094">
+            <a:lvl4pPr marL="955319" indent="0">
+              <a:buNone/>
+              <a:defRPr sz="1114">
                 <a:solidFill>
                   <a:schemeClr val="tx1">
                     <a:tint val="75000"/>
@@ -1039,9 +1039,9 @@
                 </a:solidFill>
               </a:defRPr>
             </a:lvl4pPr>
-            <a:lvl5pPr marL="1250899" indent="0">
-              <a:buNone/>
-              <a:defRPr sz="1094">
+            <a:lvl5pPr marL="1273759" indent="0">
+              <a:buNone/>
+              <a:defRPr sz="1114">
                 <a:solidFill>
                   <a:schemeClr val="tx1">
                     <a:tint val="75000"/>
@@ -1049,9 +1049,9 @@
                 </a:solidFill>
               </a:defRPr>
             </a:lvl5pPr>
-            <a:lvl6pPr marL="1563624" indent="0">
-              <a:buNone/>
-              <a:defRPr sz="1094">
+            <a:lvl6pPr marL="1592199" indent="0">
+              <a:buNone/>
+              <a:defRPr sz="1114">
                 <a:solidFill>
                   <a:schemeClr val="tx1">
                     <a:tint val="75000"/>
@@ -1059,9 +1059,9 @@
                 </a:solidFill>
               </a:defRPr>
             </a:lvl6pPr>
-            <a:lvl7pPr marL="1876349" indent="0">
-              <a:buNone/>
-              <a:defRPr sz="1094">
+            <a:lvl7pPr marL="1910639" indent="0">
+              <a:buNone/>
+              <a:defRPr sz="1114">
                 <a:solidFill>
                   <a:schemeClr val="tx1">
                     <a:tint val="75000"/>
@@ -1069,9 +1069,9 @@
                 </a:solidFill>
               </a:defRPr>
             </a:lvl7pPr>
-            <a:lvl8pPr marL="2189074" indent="0">
-              <a:buNone/>
-              <a:defRPr sz="1094">
+            <a:lvl8pPr marL="2229079" indent="0">
+              <a:buNone/>
+              <a:defRPr sz="1114">
                 <a:solidFill>
                   <a:schemeClr val="tx1">
                     <a:tint val="75000"/>
@@ -1079,9 +1079,9 @@
                 </a:solidFill>
               </a:defRPr>
             </a:lvl8pPr>
-            <a:lvl9pPr marL="2501798" indent="0">
-              <a:buNone/>
-              <a:defRPr sz="1094">
+            <a:lvl9pPr marL="2547518" indent="0">
+              <a:buNone/>
+              <a:defRPr sz="1114">
                 <a:solidFill>
                   <a:schemeClr val="tx1">
                     <a:tint val="75000"/>
@@ -1116,7 +1116,7 @@
           <a:p>
             <a:fld id="{F602A9BB-8336-1F4C-AA8D-E45E345636B3}" type="datetimeFigureOut">
               <a:rPr kumimoji="1" lang="ja-JP" altLang="en-US" smtClean="0"/>
-              <a:t>2026/1/9</a:t>
+              <a:t>2026/2/12</a:t>
             </a:fld>
             <a:endParaRPr kumimoji="1" lang="ja-JP" altLang="en-US"/>
           </a:p>
@@ -1167,7 +1167,7 @@
     </p:spTree>
     <p:extLst>
       <p:ext uri="{BB962C8B-B14F-4D97-AF65-F5344CB8AC3E}">
-        <p14:creationId xmlns:p14="http://schemas.microsoft.com/office/powerpoint/2010/main" val="1521871105"/>
+        <p14:creationId xmlns:p14="http://schemas.microsoft.com/office/powerpoint/2010/main" val="3146153939"/>
       </p:ext>
     </p:extLst>
   </p:cSld>
@@ -1229,8 +1229,8 @@
         </p:nvSpPr>
         <p:spPr>
           <a:xfrm>
-            <a:off x="928569" y="1248779"/>
-            <a:ext cx="5740241" cy="2976436"/>
+            <a:off x="1921093" y="1271599"/>
+            <a:ext cx="11875849" cy="3030828"/>
           </a:xfrm>
         </p:spPr>
         <p:txBody>
@@ -1318,8 +1318,8 @@
         </p:nvSpPr>
         <p:spPr>
           <a:xfrm>
-            <a:off x="6837640" y="1248779"/>
-            <a:ext cx="5740241" cy="2976436"/>
+            <a:off x="14146233" y="1271599"/>
+            <a:ext cx="11875849" cy="3030828"/>
           </a:xfrm>
         </p:spPr>
         <p:txBody>
@@ -1412,7 +1412,7 @@
           <a:p>
             <a:fld id="{F602A9BB-8336-1F4C-AA8D-E45E345636B3}" type="datetimeFigureOut">
               <a:rPr kumimoji="1" lang="ja-JP" altLang="en-US" smtClean="0"/>
-              <a:t>2026/1/9</a:t>
+              <a:t>2026/2/12</a:t>
             </a:fld>
             <a:endParaRPr kumimoji="1" lang="ja-JP" altLang="en-US"/>
           </a:p>
@@ -1463,7 +1463,7 @@
     </p:spTree>
     <p:extLst>
       <p:ext uri="{BB962C8B-B14F-4D97-AF65-F5344CB8AC3E}">
-        <p14:creationId xmlns:p14="http://schemas.microsoft.com/office/powerpoint/2010/main" val="1502618491"/>
+        <p14:creationId xmlns:p14="http://schemas.microsoft.com/office/powerpoint/2010/main" val="2686196970"/>
       </p:ext>
     </p:extLst>
   </p:cSld>
@@ -1502,8 +1502,8 @@
         </p:nvSpPr>
         <p:spPr>
           <a:xfrm>
-            <a:off x="930328" y="249756"/>
-            <a:ext cx="11649313" cy="906722"/>
+            <a:off x="1924733" y="254320"/>
+            <a:ext cx="24100988" cy="923292"/>
           </a:xfrm>
         </p:spPr>
         <p:txBody>
@@ -1530,8 +1530,8 @@
         </p:nvSpPr>
         <p:spPr>
           <a:xfrm>
-            <a:off x="930328" y="1149962"/>
-            <a:ext cx="5713861" cy="563579"/>
+            <a:off x="1924734" y="1170977"/>
+            <a:ext cx="11821272" cy="573878"/>
           </a:xfrm>
         </p:spPr>
         <p:txBody>
@@ -1539,39 +1539,39 @@
           <a:lstStyle>
             <a:lvl1pPr marL="0" indent="0">
               <a:buNone/>
-              <a:defRPr sz="1642" b="1"/>
+              <a:defRPr sz="1672" b="1"/>
             </a:lvl1pPr>
-            <a:lvl2pPr marL="312725" indent="0">
-              <a:buNone/>
-              <a:defRPr sz="1368" b="1"/>
+            <a:lvl2pPr marL="318440" indent="0">
+              <a:buNone/>
+              <a:defRPr sz="1393" b="1"/>
             </a:lvl2pPr>
-            <a:lvl3pPr marL="625450" indent="0">
-              <a:buNone/>
-              <a:defRPr sz="1231" b="1"/>
+            <a:lvl3pPr marL="636880" indent="0">
+              <a:buNone/>
+              <a:defRPr sz="1254" b="1"/>
             </a:lvl3pPr>
-            <a:lvl4pPr marL="938174" indent="0">
-              <a:buNone/>
-              <a:defRPr sz="1094" b="1"/>
+            <a:lvl4pPr marL="955319" indent="0">
+              <a:buNone/>
+              <a:defRPr sz="1114" b="1"/>
             </a:lvl4pPr>
-            <a:lvl5pPr marL="1250899" indent="0">
-              <a:buNone/>
-              <a:defRPr sz="1094" b="1"/>
+            <a:lvl5pPr marL="1273759" indent="0">
+              <a:buNone/>
+              <a:defRPr sz="1114" b="1"/>
             </a:lvl5pPr>
-            <a:lvl6pPr marL="1563624" indent="0">
-              <a:buNone/>
-              <a:defRPr sz="1094" b="1"/>
+            <a:lvl6pPr marL="1592199" indent="0">
+              <a:buNone/>
+              <a:defRPr sz="1114" b="1"/>
             </a:lvl6pPr>
-            <a:lvl7pPr marL="1876349" indent="0">
-              <a:buNone/>
-              <a:defRPr sz="1094" b="1"/>
+            <a:lvl7pPr marL="1910639" indent="0">
+              <a:buNone/>
+              <a:defRPr sz="1114" b="1"/>
             </a:lvl7pPr>
-            <a:lvl8pPr marL="2189074" indent="0">
-              <a:buNone/>
-              <a:defRPr sz="1094" b="1"/>
+            <a:lvl8pPr marL="2229079" indent="0">
+              <a:buNone/>
+              <a:defRPr sz="1114" b="1"/>
             </a:lvl8pPr>
-            <a:lvl9pPr marL="2501798" indent="0">
-              <a:buNone/>
-              <a:defRPr sz="1094" b="1"/>
+            <a:lvl9pPr marL="2547518" indent="0">
+              <a:buNone/>
+              <a:defRPr sz="1114" b="1"/>
             </a:lvl9pPr>
           </a:lstStyle>
           <a:p>
@@ -1595,8 +1595,8 @@
         </p:nvSpPr>
         <p:spPr>
           <a:xfrm>
-            <a:off x="930328" y="1713541"/>
-            <a:ext cx="5713861" cy="2520361"/>
+            <a:off x="1924734" y="1744855"/>
+            <a:ext cx="11821272" cy="2566418"/>
           </a:xfrm>
         </p:spPr>
         <p:txBody>
@@ -1684,8 +1684,8 @@
         </p:nvSpPr>
         <p:spPr>
           <a:xfrm>
-            <a:off x="6837641" y="1149962"/>
-            <a:ext cx="5742000" cy="563579"/>
+            <a:off x="14146232" y="1170977"/>
+            <a:ext cx="11879489" cy="573878"/>
           </a:xfrm>
         </p:spPr>
         <p:txBody>
@@ -1693,39 +1693,39 @@
           <a:lstStyle>
             <a:lvl1pPr marL="0" indent="0">
               <a:buNone/>
-              <a:defRPr sz="1642" b="1"/>
+              <a:defRPr sz="1672" b="1"/>
             </a:lvl1pPr>
-            <a:lvl2pPr marL="312725" indent="0">
-              <a:buNone/>
-              <a:defRPr sz="1368" b="1"/>
+            <a:lvl2pPr marL="318440" indent="0">
+              <a:buNone/>
+              <a:defRPr sz="1393" b="1"/>
             </a:lvl2pPr>
-            <a:lvl3pPr marL="625450" indent="0">
-              <a:buNone/>
-              <a:defRPr sz="1231" b="1"/>
+            <a:lvl3pPr marL="636880" indent="0">
+              <a:buNone/>
+              <a:defRPr sz="1254" b="1"/>
             </a:lvl3pPr>
-            <a:lvl4pPr marL="938174" indent="0">
-              <a:buNone/>
-              <a:defRPr sz="1094" b="1"/>
+            <a:lvl4pPr marL="955319" indent="0">
+              <a:buNone/>
+              <a:defRPr sz="1114" b="1"/>
             </a:lvl4pPr>
-            <a:lvl5pPr marL="1250899" indent="0">
-              <a:buNone/>
-              <a:defRPr sz="1094" b="1"/>
+            <a:lvl5pPr marL="1273759" indent="0">
+              <a:buNone/>
+              <a:defRPr sz="1114" b="1"/>
             </a:lvl5pPr>
-            <a:lvl6pPr marL="1563624" indent="0">
-              <a:buNone/>
-              <a:defRPr sz="1094" b="1"/>
+            <a:lvl6pPr marL="1592199" indent="0">
+              <a:buNone/>
+              <a:defRPr sz="1114" b="1"/>
             </a:lvl6pPr>
-            <a:lvl7pPr marL="1876349" indent="0">
-              <a:buNone/>
-              <a:defRPr sz="1094" b="1"/>
+            <a:lvl7pPr marL="1910639" indent="0">
+              <a:buNone/>
+              <a:defRPr sz="1114" b="1"/>
             </a:lvl7pPr>
-            <a:lvl8pPr marL="2189074" indent="0">
-              <a:buNone/>
-              <a:defRPr sz="1094" b="1"/>
+            <a:lvl8pPr marL="2229079" indent="0">
+              <a:buNone/>
+              <a:defRPr sz="1114" b="1"/>
             </a:lvl8pPr>
-            <a:lvl9pPr marL="2501798" indent="0">
-              <a:buNone/>
-              <a:defRPr sz="1094" b="1"/>
+            <a:lvl9pPr marL="2547518" indent="0">
+              <a:buNone/>
+              <a:defRPr sz="1114" b="1"/>
             </a:lvl9pPr>
           </a:lstStyle>
           <a:p>
@@ -1749,8 +1749,8 @@
         </p:nvSpPr>
         <p:spPr>
           <a:xfrm>
-            <a:off x="6837641" y="1713541"/>
-            <a:ext cx="5742000" cy="2520361"/>
+            <a:off x="14146232" y="1744855"/>
+            <a:ext cx="11879489" cy="2566418"/>
           </a:xfrm>
         </p:spPr>
         <p:txBody>
@@ -1843,7 +1843,7 @@
           <a:p>
             <a:fld id="{F602A9BB-8336-1F4C-AA8D-E45E345636B3}" type="datetimeFigureOut">
               <a:rPr kumimoji="1" lang="ja-JP" altLang="en-US" smtClean="0"/>
-              <a:t>2026/1/9</a:t>
+              <a:t>2026/2/12</a:t>
             </a:fld>
             <a:endParaRPr kumimoji="1" lang="ja-JP" altLang="en-US"/>
           </a:p>
@@ -1894,7 +1894,7 @@
     </p:spTree>
     <p:extLst>
       <p:ext uri="{BB962C8B-B14F-4D97-AF65-F5344CB8AC3E}">
-        <p14:creationId xmlns:p14="http://schemas.microsoft.com/office/powerpoint/2010/main" val="2015784691"/>
+        <p14:creationId xmlns:p14="http://schemas.microsoft.com/office/powerpoint/2010/main" val="929532284"/>
       </p:ext>
     </p:extLst>
   </p:cSld>
@@ -1961,7 +1961,7 @@
           <a:p>
             <a:fld id="{F602A9BB-8336-1F4C-AA8D-E45E345636B3}" type="datetimeFigureOut">
               <a:rPr kumimoji="1" lang="ja-JP" altLang="en-US" smtClean="0"/>
-              <a:t>2026/1/9</a:t>
+              <a:t>2026/2/12</a:t>
             </a:fld>
             <a:endParaRPr kumimoji="1" lang="ja-JP" altLang="en-US"/>
           </a:p>
@@ -2012,7 +2012,7 @@
     </p:spTree>
     <p:extLst>
       <p:ext uri="{BB962C8B-B14F-4D97-AF65-F5344CB8AC3E}">
-        <p14:creationId xmlns:p14="http://schemas.microsoft.com/office/powerpoint/2010/main" val="645907590"/>
+        <p14:creationId xmlns:p14="http://schemas.microsoft.com/office/powerpoint/2010/main" val="4055803401"/>
       </p:ext>
     </p:extLst>
   </p:cSld>
@@ -2056,7 +2056,7 @@
           <a:p>
             <a:fld id="{F602A9BB-8336-1F4C-AA8D-E45E345636B3}" type="datetimeFigureOut">
               <a:rPr kumimoji="1" lang="ja-JP" altLang="en-US" smtClean="0"/>
-              <a:t>2026/1/9</a:t>
+              <a:t>2026/2/12</a:t>
             </a:fld>
             <a:endParaRPr kumimoji="1" lang="ja-JP" altLang="en-US"/>
           </a:p>
@@ -2107,7 +2107,7 @@
     </p:spTree>
     <p:extLst>
       <p:ext uri="{BB962C8B-B14F-4D97-AF65-F5344CB8AC3E}">
-        <p14:creationId xmlns:p14="http://schemas.microsoft.com/office/powerpoint/2010/main" val="3413029841"/>
+        <p14:creationId xmlns:p14="http://schemas.microsoft.com/office/powerpoint/2010/main" val="4005502139"/>
       </p:ext>
     </p:extLst>
   </p:cSld>
@@ -2146,15 +2146,15 @@
         </p:nvSpPr>
         <p:spPr>
           <a:xfrm>
-            <a:off x="930328" y="312738"/>
-            <a:ext cx="4356181" cy="1094581"/>
+            <a:off x="1924734" y="318452"/>
+            <a:ext cx="9012400" cy="1114584"/>
           </a:xfrm>
         </p:spPr>
         <p:txBody>
           <a:bodyPr anchor="b"/>
           <a:lstStyle>
             <a:lvl1pPr>
-              <a:defRPr sz="2189"/>
+              <a:defRPr sz="2229"/>
             </a:lvl1pPr>
           </a:lstStyle>
           <a:p>
@@ -2178,39 +2178,39 @@
         </p:nvSpPr>
         <p:spPr>
           <a:xfrm>
-            <a:off x="5742001" y="675427"/>
-            <a:ext cx="6837640" cy="3333695"/>
+            <a:off x="11879489" y="687769"/>
+            <a:ext cx="14146232" cy="3394616"/>
           </a:xfrm>
         </p:spPr>
         <p:txBody>
           <a:bodyPr/>
           <a:lstStyle>
             <a:lvl1pPr>
-              <a:defRPr sz="2189"/>
+              <a:defRPr sz="2229"/>
             </a:lvl1pPr>
             <a:lvl2pPr>
-              <a:defRPr sz="1915"/>
+              <a:defRPr sz="1950"/>
             </a:lvl2pPr>
             <a:lvl3pPr>
-              <a:defRPr sz="1642"/>
+              <a:defRPr sz="1672"/>
             </a:lvl3pPr>
             <a:lvl4pPr>
-              <a:defRPr sz="1368"/>
+              <a:defRPr sz="1393"/>
             </a:lvl4pPr>
             <a:lvl5pPr>
-              <a:defRPr sz="1368"/>
+              <a:defRPr sz="1393"/>
             </a:lvl5pPr>
             <a:lvl6pPr>
-              <a:defRPr sz="1368"/>
+              <a:defRPr sz="1393"/>
             </a:lvl6pPr>
             <a:lvl7pPr>
-              <a:defRPr sz="1368"/>
+              <a:defRPr sz="1393"/>
             </a:lvl7pPr>
             <a:lvl8pPr>
-              <a:defRPr sz="1368"/>
+              <a:defRPr sz="1393"/>
             </a:lvl8pPr>
             <a:lvl9pPr>
-              <a:defRPr sz="1368"/>
+              <a:defRPr sz="1393"/>
             </a:lvl9pPr>
           </a:lstStyle>
           <a:p>
@@ -2295,8 +2295,8 @@
         </p:nvSpPr>
         <p:spPr>
           <a:xfrm>
-            <a:off x="930328" y="1407319"/>
-            <a:ext cx="4356181" cy="2607232"/>
+            <a:off x="1924734" y="1433036"/>
+            <a:ext cx="9012400" cy="2654877"/>
           </a:xfrm>
         </p:spPr>
         <p:txBody>
@@ -2304,39 +2304,39 @@
           <a:lstStyle>
             <a:lvl1pPr marL="0" indent="0">
               <a:buNone/>
-              <a:defRPr sz="1094"/>
+              <a:defRPr sz="1114"/>
             </a:lvl1pPr>
-            <a:lvl2pPr marL="312725" indent="0">
-              <a:buNone/>
-              <a:defRPr sz="958"/>
+            <a:lvl2pPr marL="318440" indent="0">
+              <a:buNone/>
+              <a:defRPr sz="975"/>
             </a:lvl2pPr>
-            <a:lvl3pPr marL="625450" indent="0">
-              <a:buNone/>
-              <a:defRPr sz="821"/>
+            <a:lvl3pPr marL="636880" indent="0">
+              <a:buNone/>
+              <a:defRPr sz="836"/>
             </a:lvl3pPr>
-            <a:lvl4pPr marL="938174" indent="0">
-              <a:buNone/>
-              <a:defRPr sz="684"/>
+            <a:lvl4pPr marL="955319" indent="0">
+              <a:buNone/>
+              <a:defRPr sz="697"/>
             </a:lvl4pPr>
-            <a:lvl5pPr marL="1250899" indent="0">
-              <a:buNone/>
-              <a:defRPr sz="684"/>
+            <a:lvl5pPr marL="1273759" indent="0">
+              <a:buNone/>
+              <a:defRPr sz="697"/>
             </a:lvl5pPr>
-            <a:lvl6pPr marL="1563624" indent="0">
-              <a:buNone/>
-              <a:defRPr sz="684"/>
+            <a:lvl6pPr marL="1592199" indent="0">
+              <a:buNone/>
+              <a:defRPr sz="697"/>
             </a:lvl6pPr>
-            <a:lvl7pPr marL="1876349" indent="0">
-              <a:buNone/>
-              <a:defRPr sz="684"/>
+            <a:lvl7pPr marL="1910639" indent="0">
+              <a:buNone/>
+              <a:defRPr sz="697"/>
             </a:lvl7pPr>
-            <a:lvl8pPr marL="2189074" indent="0">
-              <a:buNone/>
-              <a:defRPr sz="684"/>
+            <a:lvl8pPr marL="2229079" indent="0">
+              <a:buNone/>
+              <a:defRPr sz="697"/>
             </a:lvl8pPr>
-            <a:lvl9pPr marL="2501798" indent="0">
-              <a:buNone/>
-              <a:defRPr sz="684"/>
+            <a:lvl9pPr marL="2547518" indent="0">
+              <a:buNone/>
+              <a:defRPr sz="697"/>
             </a:lvl9pPr>
           </a:lstStyle>
           <a:p>
@@ -2365,7 +2365,7 @@
           <a:p>
             <a:fld id="{F602A9BB-8336-1F4C-AA8D-E45E345636B3}" type="datetimeFigureOut">
               <a:rPr kumimoji="1" lang="ja-JP" altLang="en-US" smtClean="0"/>
-              <a:t>2026/1/9</a:t>
+              <a:t>2026/2/12</a:t>
             </a:fld>
             <a:endParaRPr kumimoji="1" lang="ja-JP" altLang="en-US"/>
           </a:p>
@@ -2416,7 +2416,7 @@
     </p:spTree>
     <p:extLst>
       <p:ext uri="{BB962C8B-B14F-4D97-AF65-F5344CB8AC3E}">
-        <p14:creationId xmlns:p14="http://schemas.microsoft.com/office/powerpoint/2010/main" val="4132906097"/>
+        <p14:creationId xmlns:p14="http://schemas.microsoft.com/office/powerpoint/2010/main" val="3675435493"/>
       </p:ext>
     </p:extLst>
   </p:cSld>
@@ -2455,15 +2455,15 @@
         </p:nvSpPr>
         <p:spPr>
           <a:xfrm>
-            <a:off x="930328" y="312738"/>
-            <a:ext cx="4356181" cy="1094581"/>
+            <a:off x="1924734" y="318452"/>
+            <a:ext cx="9012400" cy="1114584"/>
           </a:xfrm>
         </p:spPr>
         <p:txBody>
           <a:bodyPr anchor="b"/>
           <a:lstStyle>
             <a:lvl1pPr>
-              <a:defRPr sz="2189"/>
+              <a:defRPr sz="2229"/>
             </a:lvl1pPr>
           </a:lstStyle>
           <a:p>
@@ -2487,8 +2487,8 @@
         </p:nvSpPr>
         <p:spPr>
           <a:xfrm>
-            <a:off x="5742001" y="675427"/>
-            <a:ext cx="6837640" cy="3333695"/>
+            <a:off x="11879489" y="687769"/>
+            <a:ext cx="14146232" cy="3394616"/>
           </a:xfrm>
         </p:spPr>
         <p:txBody>
@@ -2496,39 +2496,39 @@
           <a:lstStyle>
             <a:lvl1pPr marL="0" indent="0">
               <a:buNone/>
-              <a:defRPr sz="2189"/>
+              <a:defRPr sz="2229"/>
             </a:lvl1pPr>
-            <a:lvl2pPr marL="312725" indent="0">
-              <a:buNone/>
-              <a:defRPr sz="1915"/>
+            <a:lvl2pPr marL="318440" indent="0">
+              <a:buNone/>
+              <a:defRPr sz="1950"/>
             </a:lvl2pPr>
-            <a:lvl3pPr marL="625450" indent="0">
-              <a:buNone/>
-              <a:defRPr sz="1642"/>
+            <a:lvl3pPr marL="636880" indent="0">
+              <a:buNone/>
+              <a:defRPr sz="1672"/>
             </a:lvl3pPr>
-            <a:lvl4pPr marL="938174" indent="0">
-              <a:buNone/>
-              <a:defRPr sz="1368"/>
+            <a:lvl4pPr marL="955319" indent="0">
+              <a:buNone/>
+              <a:defRPr sz="1393"/>
             </a:lvl4pPr>
-            <a:lvl5pPr marL="1250899" indent="0">
-              <a:buNone/>
-              <a:defRPr sz="1368"/>
+            <a:lvl5pPr marL="1273759" indent="0">
+              <a:buNone/>
+              <a:defRPr sz="1393"/>
             </a:lvl5pPr>
-            <a:lvl6pPr marL="1563624" indent="0">
-              <a:buNone/>
-              <a:defRPr sz="1368"/>
+            <a:lvl6pPr marL="1592199" indent="0">
+              <a:buNone/>
+              <a:defRPr sz="1393"/>
             </a:lvl6pPr>
-            <a:lvl7pPr marL="1876349" indent="0">
-              <a:buNone/>
-              <a:defRPr sz="1368"/>
+            <a:lvl7pPr marL="1910639" indent="0">
+              <a:buNone/>
+              <a:defRPr sz="1393"/>
             </a:lvl7pPr>
-            <a:lvl8pPr marL="2189074" indent="0">
-              <a:buNone/>
-              <a:defRPr sz="1368"/>
+            <a:lvl8pPr marL="2229079" indent="0">
+              <a:buNone/>
+              <a:defRPr sz="1393"/>
             </a:lvl8pPr>
-            <a:lvl9pPr marL="2501798" indent="0">
-              <a:buNone/>
-              <a:defRPr sz="1368"/>
+            <a:lvl9pPr marL="2547518" indent="0">
+              <a:buNone/>
+              <a:defRPr sz="1393"/>
             </a:lvl9pPr>
           </a:lstStyle>
           <a:p>
@@ -2552,8 +2552,8 @@
         </p:nvSpPr>
         <p:spPr>
           <a:xfrm>
-            <a:off x="930328" y="1407319"/>
-            <a:ext cx="4356181" cy="2607232"/>
+            <a:off x="1924734" y="1433036"/>
+            <a:ext cx="9012400" cy="2654877"/>
           </a:xfrm>
         </p:spPr>
         <p:txBody>
@@ -2561,39 +2561,39 @@
           <a:lstStyle>
             <a:lvl1pPr marL="0" indent="0">
               <a:buNone/>
-              <a:defRPr sz="1094"/>
+              <a:defRPr sz="1114"/>
             </a:lvl1pPr>
-            <a:lvl2pPr marL="312725" indent="0">
-              <a:buNone/>
-              <a:defRPr sz="958"/>
+            <a:lvl2pPr marL="318440" indent="0">
+              <a:buNone/>
+              <a:defRPr sz="975"/>
             </a:lvl2pPr>
-            <a:lvl3pPr marL="625450" indent="0">
-              <a:buNone/>
-              <a:defRPr sz="821"/>
+            <a:lvl3pPr marL="636880" indent="0">
+              <a:buNone/>
+              <a:defRPr sz="836"/>
             </a:lvl3pPr>
-            <a:lvl4pPr marL="938174" indent="0">
-              <a:buNone/>
-              <a:defRPr sz="684"/>
+            <a:lvl4pPr marL="955319" indent="0">
+              <a:buNone/>
+              <a:defRPr sz="697"/>
             </a:lvl4pPr>
-            <a:lvl5pPr marL="1250899" indent="0">
-              <a:buNone/>
-              <a:defRPr sz="684"/>
+            <a:lvl5pPr marL="1273759" indent="0">
+              <a:buNone/>
+              <a:defRPr sz="697"/>
             </a:lvl5pPr>
-            <a:lvl6pPr marL="1563624" indent="0">
-              <a:buNone/>
-              <a:defRPr sz="684"/>
+            <a:lvl6pPr marL="1592199" indent="0">
+              <a:buNone/>
+              <a:defRPr sz="697"/>
             </a:lvl6pPr>
-            <a:lvl7pPr marL="1876349" indent="0">
-              <a:buNone/>
-              <a:defRPr sz="684"/>
+            <a:lvl7pPr marL="1910639" indent="0">
+              <a:buNone/>
+              <a:defRPr sz="697"/>
             </a:lvl7pPr>
-            <a:lvl8pPr marL="2189074" indent="0">
-              <a:buNone/>
-              <a:defRPr sz="684"/>
+            <a:lvl8pPr marL="2229079" indent="0">
+              <a:buNone/>
+              <a:defRPr sz="697"/>
             </a:lvl8pPr>
-            <a:lvl9pPr marL="2501798" indent="0">
-              <a:buNone/>
-              <a:defRPr sz="684"/>
+            <a:lvl9pPr marL="2547518" indent="0">
+              <a:buNone/>
+              <a:defRPr sz="697"/>
             </a:lvl9pPr>
           </a:lstStyle>
           <a:p>
@@ -2622,7 +2622,7 @@
           <a:p>
             <a:fld id="{F602A9BB-8336-1F4C-AA8D-E45E345636B3}" type="datetimeFigureOut">
               <a:rPr kumimoji="1" lang="ja-JP" altLang="en-US" smtClean="0"/>
-              <a:t>2026/1/9</a:t>
+              <a:t>2026/2/12</a:t>
             </a:fld>
             <a:endParaRPr kumimoji="1" lang="ja-JP" altLang="en-US"/>
           </a:p>
@@ -2673,7 +2673,7 @@
     </p:spTree>
     <p:extLst>
       <p:ext uri="{BB962C8B-B14F-4D97-AF65-F5344CB8AC3E}">
-        <p14:creationId xmlns:p14="http://schemas.microsoft.com/office/powerpoint/2010/main" val="267669322"/>
+        <p14:creationId xmlns:p14="http://schemas.microsoft.com/office/powerpoint/2010/main" val="3974031576"/>
       </p:ext>
     </p:extLst>
   </p:cSld>
@@ -2717,8 +2717,8 @@
         </p:nvSpPr>
         <p:spPr>
           <a:xfrm>
-            <a:off x="928569" y="249756"/>
-            <a:ext cx="11649313" cy="906722"/>
+            <a:off x="1921094" y="254320"/>
+            <a:ext cx="24100988" cy="923292"/>
           </a:xfrm>
           <a:prstGeom prst="rect">
             <a:avLst/>
@@ -2750,8 +2750,8 @@
         </p:nvSpPr>
         <p:spPr>
           <a:xfrm>
-            <a:off x="928569" y="1248779"/>
-            <a:ext cx="11649313" cy="2976436"/>
+            <a:off x="1921094" y="1271599"/>
+            <a:ext cx="24100988" cy="3030828"/>
           </a:xfrm>
           <a:prstGeom prst="rect">
             <a:avLst/>
@@ -2844,8 +2844,8 @@
         </p:nvSpPr>
         <p:spPr>
           <a:xfrm>
-            <a:off x="928569" y="4347921"/>
-            <a:ext cx="3038951" cy="249756"/>
+            <a:off x="1921093" y="4427375"/>
+            <a:ext cx="6287214" cy="254320"/>
           </a:xfrm>
           <a:prstGeom prst="rect">
             <a:avLst/>
@@ -2855,7 +2855,7 @@
           <a:bodyPr vert="horz" lIns="91440" tIns="45720" rIns="91440" bIns="45720" rtlCol="0" anchor="ctr"/>
           <a:lstStyle>
             <a:lvl1pPr algn="l">
-              <a:defRPr sz="821">
+              <a:defRPr sz="836">
                 <a:solidFill>
                   <a:schemeClr val="tx1">
                     <a:tint val="75000"/>
@@ -2867,7 +2867,7 @@
           <a:p>
             <a:fld id="{F602A9BB-8336-1F4C-AA8D-E45E345636B3}" type="datetimeFigureOut">
               <a:rPr kumimoji="1" lang="ja-JP" altLang="en-US" smtClean="0"/>
-              <a:t>2026/1/9</a:t>
+              <a:t>2026/2/12</a:t>
             </a:fld>
             <a:endParaRPr kumimoji="1" lang="ja-JP" altLang="en-US"/>
           </a:p>
@@ -2885,8 +2885,8 @@
         </p:nvSpPr>
         <p:spPr>
           <a:xfrm>
-            <a:off x="4474012" y="4347921"/>
-            <a:ext cx="4558427" cy="249756"/>
+            <a:off x="9256177" y="4427375"/>
+            <a:ext cx="9430822" cy="254320"/>
           </a:xfrm>
           <a:prstGeom prst="rect">
             <a:avLst/>
@@ -2896,7 +2896,7 @@
           <a:bodyPr vert="horz" lIns="91440" tIns="45720" rIns="91440" bIns="45720" rtlCol="0" anchor="ctr"/>
           <a:lstStyle>
             <a:lvl1pPr algn="ctr">
-              <a:defRPr sz="821">
+              <a:defRPr sz="836">
                 <a:solidFill>
                   <a:schemeClr val="tx1">
                     <a:tint val="75000"/>
@@ -2922,8 +2922,8 @@
         </p:nvSpPr>
         <p:spPr>
           <a:xfrm>
-            <a:off x="9538930" y="4347921"/>
-            <a:ext cx="3038951" cy="249756"/>
+            <a:off x="19734868" y="4427375"/>
+            <a:ext cx="6287214" cy="254320"/>
           </a:xfrm>
           <a:prstGeom prst="rect">
             <a:avLst/>
@@ -2933,7 +2933,7 @@
           <a:bodyPr vert="horz" lIns="91440" tIns="45720" rIns="91440" bIns="45720" rtlCol="0" anchor="ctr"/>
           <a:lstStyle>
             <a:lvl1pPr algn="r">
-              <a:defRPr sz="821">
+              <a:defRPr sz="836">
                 <a:solidFill>
                   <a:schemeClr val="tx1">
                     <a:tint val="75000"/>
@@ -2954,27 +2954,27 @@
     </p:spTree>
     <p:extLst>
       <p:ext uri="{BB962C8B-B14F-4D97-AF65-F5344CB8AC3E}">
-        <p14:creationId xmlns:p14="http://schemas.microsoft.com/office/powerpoint/2010/main" val="255007622"/>
+        <p14:creationId xmlns:p14="http://schemas.microsoft.com/office/powerpoint/2010/main" val="2308641694"/>
       </p:ext>
     </p:extLst>
   </p:cSld>
   <p:clrMap bg1="lt1" tx1="dk1" bg2="lt2" tx2="dk2" accent1="accent1" accent2="accent2" accent3="accent3" accent4="accent4" accent5="accent5" accent6="accent6" hlink="hlink" folHlink="folHlink"/>
   <p:sldLayoutIdLst>
-    <p:sldLayoutId id="2147483697" r:id="rId1"/>
-    <p:sldLayoutId id="2147483698" r:id="rId2"/>
-    <p:sldLayoutId id="2147483699" r:id="rId3"/>
-    <p:sldLayoutId id="2147483700" r:id="rId4"/>
-    <p:sldLayoutId id="2147483701" r:id="rId5"/>
-    <p:sldLayoutId id="2147483702" r:id="rId6"/>
-    <p:sldLayoutId id="2147483703" r:id="rId7"/>
-    <p:sldLayoutId id="2147483704" r:id="rId8"/>
-    <p:sldLayoutId id="2147483705" r:id="rId9"/>
-    <p:sldLayoutId id="2147483706" r:id="rId10"/>
-    <p:sldLayoutId id="2147483707" r:id="rId11"/>
+    <p:sldLayoutId id="2147483709" r:id="rId1"/>
+    <p:sldLayoutId id="2147483710" r:id="rId2"/>
+    <p:sldLayoutId id="2147483711" r:id="rId3"/>
+    <p:sldLayoutId id="2147483712" r:id="rId4"/>
+    <p:sldLayoutId id="2147483713" r:id="rId5"/>
+    <p:sldLayoutId id="2147483714" r:id="rId6"/>
+    <p:sldLayoutId id="2147483715" r:id="rId7"/>
+    <p:sldLayoutId id="2147483716" r:id="rId8"/>
+    <p:sldLayoutId id="2147483717" r:id="rId9"/>
+    <p:sldLayoutId id="2147483718" r:id="rId10"/>
+    <p:sldLayoutId id="2147483719" r:id="rId11"/>
   </p:sldLayoutIdLst>
   <p:txStyles>
     <p:titleStyle>
-      <a:lvl1pPr algn="l" defTabSz="625450" rtl="0" eaLnBrk="1" latinLnBrk="0" hangingPunct="1">
+      <a:lvl1pPr algn="l" defTabSz="636880" rtl="0" eaLnBrk="1" latinLnBrk="0" hangingPunct="1">
         <a:lnSpc>
           <a:spcPct val="90000"/>
         </a:lnSpc>
@@ -2982,7 +2982,7 @@
           <a:spcPct val="0"/>
         </a:spcBef>
         <a:buNone/>
-        <a:defRPr kumimoji="1" sz="3010" kern="1200">
+        <a:defRPr kumimoji="1" sz="3065" kern="1200">
           <a:solidFill>
             <a:schemeClr val="tx1"/>
           </a:solidFill>
@@ -2993,16 +2993,16 @@
       </a:lvl1pPr>
     </p:titleStyle>
     <p:bodyStyle>
-      <a:lvl1pPr marL="156362" indent="-156362" algn="l" defTabSz="625450" rtl="0" eaLnBrk="1" latinLnBrk="0" hangingPunct="1">
+      <a:lvl1pPr marL="159220" indent="-159220" algn="l" defTabSz="636880" rtl="0" eaLnBrk="1" latinLnBrk="0" hangingPunct="1">
         <a:lnSpc>
           <a:spcPct val="90000"/>
         </a:lnSpc>
         <a:spcBef>
-          <a:spcPts val="684"/>
+          <a:spcPts val="697"/>
         </a:spcBef>
         <a:buFont typeface="Arial" panose="020B0604020202020204" pitchFamily="34" charset="0"/>
         <a:buChar char="•"/>
-        <a:defRPr kumimoji="1" sz="1915" kern="1200">
+        <a:defRPr kumimoji="1" sz="1950" kern="1200">
           <a:solidFill>
             <a:schemeClr val="tx1"/>
           </a:solidFill>
@@ -3011,16 +3011,16 @@
           <a:cs typeface="+mn-cs"/>
         </a:defRPr>
       </a:lvl1pPr>
-      <a:lvl2pPr marL="469087" indent="-156362" algn="l" defTabSz="625450" rtl="0" eaLnBrk="1" latinLnBrk="0" hangingPunct="1">
+      <a:lvl2pPr marL="477660" indent="-159220" algn="l" defTabSz="636880" rtl="0" eaLnBrk="1" latinLnBrk="0" hangingPunct="1">
         <a:lnSpc>
           <a:spcPct val="90000"/>
         </a:lnSpc>
         <a:spcBef>
-          <a:spcPts val="342"/>
+          <a:spcPts val="348"/>
         </a:spcBef>
         <a:buFont typeface="Arial" panose="020B0604020202020204" pitchFamily="34" charset="0"/>
         <a:buChar char="•"/>
-        <a:defRPr kumimoji="1" sz="1642" kern="1200">
+        <a:defRPr kumimoji="1" sz="1672" kern="1200">
           <a:solidFill>
             <a:schemeClr val="tx1"/>
           </a:solidFill>
@@ -3029,16 +3029,16 @@
           <a:cs typeface="+mn-cs"/>
         </a:defRPr>
       </a:lvl2pPr>
-      <a:lvl3pPr marL="781812" indent="-156362" algn="l" defTabSz="625450" rtl="0" eaLnBrk="1" latinLnBrk="0" hangingPunct="1">
+      <a:lvl3pPr marL="796100" indent="-159220" algn="l" defTabSz="636880" rtl="0" eaLnBrk="1" latinLnBrk="0" hangingPunct="1">
         <a:lnSpc>
           <a:spcPct val="90000"/>
         </a:lnSpc>
         <a:spcBef>
-          <a:spcPts val="342"/>
+          <a:spcPts val="348"/>
         </a:spcBef>
         <a:buFont typeface="Arial" panose="020B0604020202020204" pitchFamily="34" charset="0"/>
         <a:buChar char="•"/>
-        <a:defRPr kumimoji="1" sz="1368" kern="1200">
+        <a:defRPr kumimoji="1" sz="1393" kern="1200">
           <a:solidFill>
             <a:schemeClr val="tx1"/>
           </a:solidFill>
@@ -3047,16 +3047,16 @@
           <a:cs typeface="+mn-cs"/>
         </a:defRPr>
       </a:lvl3pPr>
-      <a:lvl4pPr marL="1094537" indent="-156362" algn="l" defTabSz="625450" rtl="0" eaLnBrk="1" latinLnBrk="0" hangingPunct="1">
+      <a:lvl4pPr marL="1114539" indent="-159220" algn="l" defTabSz="636880" rtl="0" eaLnBrk="1" latinLnBrk="0" hangingPunct="1">
         <a:lnSpc>
           <a:spcPct val="90000"/>
         </a:lnSpc>
         <a:spcBef>
-          <a:spcPts val="342"/>
+          <a:spcPts val="348"/>
         </a:spcBef>
         <a:buFont typeface="Arial" panose="020B0604020202020204" pitchFamily="34" charset="0"/>
         <a:buChar char="•"/>
-        <a:defRPr kumimoji="1" sz="1231" kern="1200">
+        <a:defRPr kumimoji="1" sz="1254" kern="1200">
           <a:solidFill>
             <a:schemeClr val="tx1"/>
           </a:solidFill>
@@ -3065,16 +3065,16 @@
           <a:cs typeface="+mn-cs"/>
         </a:defRPr>
       </a:lvl4pPr>
-      <a:lvl5pPr marL="1407262" indent="-156362" algn="l" defTabSz="625450" rtl="0" eaLnBrk="1" latinLnBrk="0" hangingPunct="1">
+      <a:lvl5pPr marL="1432979" indent="-159220" algn="l" defTabSz="636880" rtl="0" eaLnBrk="1" latinLnBrk="0" hangingPunct="1">
         <a:lnSpc>
           <a:spcPct val="90000"/>
         </a:lnSpc>
         <a:spcBef>
-          <a:spcPts val="342"/>
+          <a:spcPts val="348"/>
         </a:spcBef>
         <a:buFont typeface="Arial" panose="020B0604020202020204" pitchFamily="34" charset="0"/>
         <a:buChar char="•"/>
-        <a:defRPr kumimoji="1" sz="1231" kern="1200">
+        <a:defRPr kumimoji="1" sz="1254" kern="1200">
           <a:solidFill>
             <a:schemeClr val="tx1"/>
           </a:solidFill>
@@ -3083,16 +3083,16 @@
           <a:cs typeface="+mn-cs"/>
         </a:defRPr>
       </a:lvl5pPr>
-      <a:lvl6pPr marL="1719986" indent="-156362" algn="l" defTabSz="625450" rtl="0" eaLnBrk="1" latinLnBrk="0" hangingPunct="1">
+      <a:lvl6pPr marL="1751419" indent="-159220" algn="l" defTabSz="636880" rtl="0" eaLnBrk="1" latinLnBrk="0" hangingPunct="1">
         <a:lnSpc>
           <a:spcPct val="90000"/>
         </a:lnSpc>
         <a:spcBef>
-          <a:spcPts val="342"/>
+          <a:spcPts val="348"/>
         </a:spcBef>
         <a:buFont typeface="Arial" panose="020B0604020202020204" pitchFamily="34" charset="0"/>
         <a:buChar char="•"/>
-        <a:defRPr kumimoji="1" sz="1231" kern="1200">
+        <a:defRPr kumimoji="1" sz="1254" kern="1200">
           <a:solidFill>
             <a:schemeClr val="tx1"/>
           </a:solidFill>
@@ -3101,16 +3101,16 @@
           <a:cs typeface="+mn-cs"/>
         </a:defRPr>
       </a:lvl6pPr>
-      <a:lvl7pPr marL="2032711" indent="-156362" algn="l" defTabSz="625450" rtl="0" eaLnBrk="1" latinLnBrk="0" hangingPunct="1">
+      <a:lvl7pPr marL="2069859" indent="-159220" algn="l" defTabSz="636880" rtl="0" eaLnBrk="1" latinLnBrk="0" hangingPunct="1">
         <a:lnSpc>
           <a:spcPct val="90000"/>
         </a:lnSpc>
         <a:spcBef>
-          <a:spcPts val="342"/>
+          <a:spcPts val="348"/>
         </a:spcBef>
         <a:buFont typeface="Arial" panose="020B0604020202020204" pitchFamily="34" charset="0"/>
         <a:buChar char="•"/>
-        <a:defRPr kumimoji="1" sz="1231" kern="1200">
+        <a:defRPr kumimoji="1" sz="1254" kern="1200">
           <a:solidFill>
             <a:schemeClr val="tx1"/>
           </a:solidFill>
@@ -3119,16 +3119,16 @@
           <a:cs typeface="+mn-cs"/>
         </a:defRPr>
       </a:lvl7pPr>
-      <a:lvl8pPr marL="2345436" indent="-156362" algn="l" defTabSz="625450" rtl="0" eaLnBrk="1" latinLnBrk="0" hangingPunct="1">
+      <a:lvl8pPr marL="2388299" indent="-159220" algn="l" defTabSz="636880" rtl="0" eaLnBrk="1" latinLnBrk="0" hangingPunct="1">
         <a:lnSpc>
           <a:spcPct val="90000"/>
         </a:lnSpc>
         <a:spcBef>
-          <a:spcPts val="342"/>
+          <a:spcPts val="348"/>
         </a:spcBef>
         <a:buFont typeface="Arial" panose="020B0604020202020204" pitchFamily="34" charset="0"/>
         <a:buChar char="•"/>
-        <a:defRPr kumimoji="1" sz="1231" kern="1200">
+        <a:defRPr kumimoji="1" sz="1254" kern="1200">
           <a:solidFill>
             <a:schemeClr val="tx1"/>
           </a:solidFill>
@@ -3137,16 +3137,16 @@
           <a:cs typeface="+mn-cs"/>
         </a:defRPr>
       </a:lvl8pPr>
-      <a:lvl9pPr marL="2658161" indent="-156362" algn="l" defTabSz="625450" rtl="0" eaLnBrk="1" latinLnBrk="0" hangingPunct="1">
+      <a:lvl9pPr marL="2706738" indent="-159220" algn="l" defTabSz="636880" rtl="0" eaLnBrk="1" latinLnBrk="0" hangingPunct="1">
         <a:lnSpc>
           <a:spcPct val="90000"/>
         </a:lnSpc>
         <a:spcBef>
-          <a:spcPts val="342"/>
+          <a:spcPts val="348"/>
         </a:spcBef>
         <a:buFont typeface="Arial" panose="020B0604020202020204" pitchFamily="34" charset="0"/>
         <a:buChar char="•"/>
-        <a:defRPr kumimoji="1" sz="1231" kern="1200">
+        <a:defRPr kumimoji="1" sz="1254" kern="1200">
           <a:solidFill>
             <a:schemeClr val="tx1"/>
           </a:solidFill>
@@ -3160,8 +3160,8 @@
       <a:defPPr>
         <a:defRPr lang="en-US"/>
       </a:defPPr>
-      <a:lvl1pPr marL="0" algn="l" defTabSz="625450" rtl="0" eaLnBrk="1" latinLnBrk="0" hangingPunct="1">
-        <a:defRPr kumimoji="1" sz="1231" kern="1200">
+      <a:lvl1pPr marL="0" algn="l" defTabSz="636880" rtl="0" eaLnBrk="1" latinLnBrk="0" hangingPunct="1">
+        <a:defRPr kumimoji="1" sz="1254" kern="1200">
           <a:solidFill>
             <a:schemeClr val="tx1"/>
           </a:solidFill>
@@ -3170,8 +3170,8 @@
           <a:cs typeface="+mn-cs"/>
         </a:defRPr>
       </a:lvl1pPr>
-      <a:lvl2pPr marL="312725" algn="l" defTabSz="625450" rtl="0" eaLnBrk="1" latinLnBrk="0" hangingPunct="1">
-        <a:defRPr kumimoji="1" sz="1231" kern="1200">
+      <a:lvl2pPr marL="318440" algn="l" defTabSz="636880" rtl="0" eaLnBrk="1" latinLnBrk="0" hangingPunct="1">
+        <a:defRPr kumimoji="1" sz="1254" kern="1200">
           <a:solidFill>
             <a:schemeClr val="tx1"/>
           </a:solidFill>
@@ -3180,8 +3180,8 @@
           <a:cs typeface="+mn-cs"/>
         </a:defRPr>
       </a:lvl2pPr>
-      <a:lvl3pPr marL="625450" algn="l" defTabSz="625450" rtl="0" eaLnBrk="1" latinLnBrk="0" hangingPunct="1">
-        <a:defRPr kumimoji="1" sz="1231" kern="1200">
+      <a:lvl3pPr marL="636880" algn="l" defTabSz="636880" rtl="0" eaLnBrk="1" latinLnBrk="0" hangingPunct="1">
+        <a:defRPr kumimoji="1" sz="1254" kern="1200">
           <a:solidFill>
             <a:schemeClr val="tx1"/>
           </a:solidFill>
@@ -3190,8 +3190,8 @@
           <a:cs typeface="+mn-cs"/>
         </a:defRPr>
       </a:lvl3pPr>
-      <a:lvl4pPr marL="938174" algn="l" defTabSz="625450" rtl="0" eaLnBrk="1" latinLnBrk="0" hangingPunct="1">
-        <a:defRPr kumimoji="1" sz="1231" kern="1200">
+      <a:lvl4pPr marL="955319" algn="l" defTabSz="636880" rtl="0" eaLnBrk="1" latinLnBrk="0" hangingPunct="1">
+        <a:defRPr kumimoji="1" sz="1254" kern="1200">
           <a:solidFill>
             <a:schemeClr val="tx1"/>
           </a:solidFill>
@@ -3200,8 +3200,8 @@
           <a:cs typeface="+mn-cs"/>
         </a:defRPr>
       </a:lvl4pPr>
-      <a:lvl5pPr marL="1250899" algn="l" defTabSz="625450" rtl="0" eaLnBrk="1" latinLnBrk="0" hangingPunct="1">
-        <a:defRPr kumimoji="1" sz="1231" kern="1200">
+      <a:lvl5pPr marL="1273759" algn="l" defTabSz="636880" rtl="0" eaLnBrk="1" latinLnBrk="0" hangingPunct="1">
+        <a:defRPr kumimoji="1" sz="1254" kern="1200">
           <a:solidFill>
             <a:schemeClr val="tx1"/>
           </a:solidFill>
@@ -3210,8 +3210,8 @@
           <a:cs typeface="+mn-cs"/>
         </a:defRPr>
       </a:lvl5pPr>
-      <a:lvl6pPr marL="1563624" algn="l" defTabSz="625450" rtl="0" eaLnBrk="1" latinLnBrk="0" hangingPunct="1">
-        <a:defRPr kumimoji="1" sz="1231" kern="1200">
+      <a:lvl6pPr marL="1592199" algn="l" defTabSz="636880" rtl="0" eaLnBrk="1" latinLnBrk="0" hangingPunct="1">
+        <a:defRPr kumimoji="1" sz="1254" kern="1200">
           <a:solidFill>
             <a:schemeClr val="tx1"/>
           </a:solidFill>
@@ -3220,8 +3220,8 @@
           <a:cs typeface="+mn-cs"/>
         </a:defRPr>
       </a:lvl6pPr>
-      <a:lvl7pPr marL="1876349" algn="l" defTabSz="625450" rtl="0" eaLnBrk="1" latinLnBrk="0" hangingPunct="1">
-        <a:defRPr kumimoji="1" sz="1231" kern="1200">
+      <a:lvl7pPr marL="1910639" algn="l" defTabSz="636880" rtl="0" eaLnBrk="1" latinLnBrk="0" hangingPunct="1">
+        <a:defRPr kumimoji="1" sz="1254" kern="1200">
           <a:solidFill>
             <a:schemeClr val="tx1"/>
           </a:solidFill>
@@ -3230,8 +3230,8 @@
           <a:cs typeface="+mn-cs"/>
         </a:defRPr>
       </a:lvl7pPr>
-      <a:lvl8pPr marL="2189074" algn="l" defTabSz="625450" rtl="0" eaLnBrk="1" latinLnBrk="0" hangingPunct="1">
-        <a:defRPr kumimoji="1" sz="1231" kern="1200">
+      <a:lvl8pPr marL="2229079" algn="l" defTabSz="636880" rtl="0" eaLnBrk="1" latinLnBrk="0" hangingPunct="1">
+        <a:defRPr kumimoji="1" sz="1254" kern="1200">
           <a:solidFill>
             <a:schemeClr val="tx1"/>
           </a:solidFill>
@@ -3240,8 +3240,8 @@
           <a:cs typeface="+mn-cs"/>
         </a:defRPr>
       </a:lvl8pPr>
-      <a:lvl9pPr marL="2501798" algn="l" defTabSz="625450" rtl="0" eaLnBrk="1" latinLnBrk="0" hangingPunct="1">
-        <a:defRPr kumimoji="1" sz="1231" kern="1200">
+      <a:lvl9pPr marL="2547518" algn="l" defTabSz="636880" rtl="0" eaLnBrk="1" latinLnBrk="0" hangingPunct="1">
+        <a:defRPr kumimoji="1" sz="1254" kern="1200">
           <a:solidFill>
             <a:schemeClr val="tx1"/>
           </a:solidFill>
@@ -3286,8 +3286,8 @@
         </p:nvSpPr>
         <p:spPr>
           <a:xfrm>
-            <a:off x="-2" y="9625"/>
-            <a:ext cx="13506450" cy="4691062"/>
+            <a:off x="1" y="435285"/>
+            <a:ext cx="27943174" cy="4341502"/>
           </a:xfrm>
           <a:prstGeom prst="rect">
             <a:avLst/>
@@ -3295,9 +3295,9 @@
           <a:solidFill>
             <a:schemeClr val="bg1"/>
           </a:solidFill>
-          <a:ln w="38100">
+          <a:ln w="76200">
             <a:solidFill>
-              <a:schemeClr val="tx1"/>
+              <a:srgbClr val="002060"/>
             </a:solidFill>
           </a:ln>
         </p:spPr>
@@ -3328,10 +3328,419 @@
       </p:sp>
       <p:sp>
         <p:nvSpPr>
-          <p:cNvPr id="5" name="正方形/長方形 4">
+          <p:cNvPr id="6" name="テキスト ボックス 5">
             <a:extLst>
               <a:ext uri="{FF2B5EF4-FFF2-40B4-BE49-F238E27FC236}">
-                <a16:creationId xmlns:a16="http://schemas.microsoft.com/office/drawing/2014/main" id="{B8A82FF7-4E16-1472-C8E0-9FD808DFC913}"/>
+                <a16:creationId xmlns:a16="http://schemas.microsoft.com/office/drawing/2014/main" id="{B82E6F23-D4A7-3F59-B3FA-B89AFF7E64CD}"/>
+              </a:ext>
+            </a:extLst>
+          </p:cNvPr>
+          <p:cNvSpPr txBox="1"/>
+          <p:nvPr/>
+        </p:nvSpPr>
+        <p:spPr>
+          <a:xfrm>
+            <a:off x="360430" y="51351"/>
+            <a:ext cx="21256924" cy="1015663"/>
+          </a:xfrm>
+          <a:prstGeom prst="rect">
+            <a:avLst/>
+          </a:prstGeom>
+          <a:solidFill>
+            <a:schemeClr val="bg1"/>
+          </a:solidFill>
+        </p:spPr>
+        <p:txBody>
+          <a:bodyPr wrap="square" rtlCol="0">
+            <a:spAutoFit/>
+          </a:bodyPr>
+          <a:lstStyle/>
+          <a:p>
+            <a:r>
+              <a:rPr kumimoji="1" lang="en-US" altLang="ja-JP" sz="6000" dirty="0">
+                <a:solidFill>
+                  <a:srgbClr val="002060"/>
+                </a:solidFill>
+                <a:latin typeface="Times New Roman" panose="02020603050405020304" pitchFamily="18" charset="0"/>
+                <a:ea typeface="YuKyokasho Medium" panose="02000500000000000000" pitchFamily="2" charset="-128"/>
+                <a:cs typeface="Times New Roman" panose="02020603050405020304" pitchFamily="18" charset="0"/>
+              </a:rPr>
+              <a:t>3. </a:t>
+            </a:r>
+            <a:r>
+              <a:rPr kumimoji="1" lang="ja-JP" altLang="en-US" sz="6000">
+                <a:solidFill>
+                  <a:srgbClr val="002060"/>
+                </a:solidFill>
+                <a:latin typeface="Times New Roman" panose="02020603050405020304" pitchFamily="18" charset="0"/>
+                <a:ea typeface="YuKyokasho Medium" panose="02000500000000000000" pitchFamily="2" charset="-128"/>
+                <a:cs typeface="Times New Roman" panose="02020603050405020304" pitchFamily="18" charset="0"/>
+              </a:rPr>
+              <a:t>問題と目標</a:t>
+            </a:r>
+            <a:r>
+              <a:rPr kumimoji="1" lang="en-US" altLang="ja-JP" sz="6000" dirty="0">
+                <a:solidFill>
+                  <a:srgbClr val="002060"/>
+                </a:solidFill>
+                <a:latin typeface="Times New Roman" panose="02020603050405020304" pitchFamily="18" charset="0"/>
+                <a:ea typeface="YuKyokasho Medium" panose="02000500000000000000" pitchFamily="2" charset="-128"/>
+                <a:cs typeface="Times New Roman" panose="02020603050405020304" pitchFamily="18" charset="0"/>
+              </a:rPr>
+              <a:t>: </a:t>
+            </a:r>
+            <a:r>
+              <a:rPr kumimoji="1" lang="ja-JP" altLang="en-US" sz="6000">
+                <a:solidFill>
+                  <a:srgbClr val="002060"/>
+                </a:solidFill>
+                <a:latin typeface="Times New Roman" panose="02020603050405020304" pitchFamily="18" charset="0"/>
+                <a:ea typeface="YuKyokasho Medium" panose="02000500000000000000" pitchFamily="2" charset="-128"/>
+                <a:cs typeface="Times New Roman" panose="02020603050405020304" pitchFamily="18" charset="0"/>
+              </a:rPr>
+              <a:t>物質科学における量子ダイナミクスの課題探索</a:t>
+            </a:r>
+          </a:p>
+        </p:txBody>
+      </p:sp>
+      <p:pic>
+        <p:nvPicPr>
+          <p:cNvPr id="2" name="図 1">
+            <a:extLst>
+              <a:ext uri="{FF2B5EF4-FFF2-40B4-BE49-F238E27FC236}">
+                <a16:creationId xmlns:a16="http://schemas.microsoft.com/office/drawing/2014/main" id="{3EB81EAE-4B24-7D6D-D2D0-4A4945930EC3}"/>
+              </a:ext>
+            </a:extLst>
+          </p:cNvPr>
+          <p:cNvPicPr>
+            <a:picLocks noChangeAspect="1"/>
+          </p:cNvPicPr>
+          <p:nvPr/>
+        </p:nvPicPr>
+        <p:blipFill>
+          <a:blip r:embed="rId2"/>
+          <a:stretch>
+            <a:fillRect/>
+          </a:stretch>
+        </p:blipFill>
+        <p:spPr>
+          <a:xfrm>
+            <a:off x="22759139" y="1034905"/>
+            <a:ext cx="4823606" cy="3623366"/>
+          </a:xfrm>
+          <a:prstGeom prst="rect">
+            <a:avLst/>
+          </a:prstGeom>
+        </p:spPr>
+      </p:pic>
+      <p:sp>
+        <p:nvSpPr>
+          <p:cNvPr id="5" name="テキスト ボックス 4">
+            <a:extLst>
+              <a:ext uri="{FF2B5EF4-FFF2-40B4-BE49-F238E27FC236}">
+                <a16:creationId xmlns:a16="http://schemas.microsoft.com/office/drawing/2014/main" id="{B3FC6D6E-0C06-D4A8-1407-F14C09D3F371}"/>
+              </a:ext>
+            </a:extLst>
+          </p:cNvPr>
+          <p:cNvSpPr txBox="1"/>
+          <p:nvPr/>
+        </p:nvSpPr>
+        <p:spPr>
+          <a:xfrm>
+            <a:off x="360430" y="3022941"/>
+            <a:ext cx="1261884" cy="646331"/>
+          </a:xfrm>
+          <a:prstGeom prst="rect">
+            <a:avLst/>
+          </a:prstGeom>
+          <a:noFill/>
+        </p:spPr>
+        <p:txBody>
+          <a:bodyPr wrap="none" rtlCol="0">
+            <a:spAutoFit/>
+          </a:bodyPr>
+          <a:lstStyle/>
+          <a:p>
+            <a:r>
+              <a:rPr kumimoji="1" lang="ja-JP" altLang="en-US" sz="3600" b="1" u="sng">
+                <a:latin typeface="YUKYOKASHO MEDIUM" panose="02000500000000000000" pitchFamily="2" charset="-128"/>
+                <a:ea typeface="YUKYOKASHO MEDIUM" panose="02000500000000000000" pitchFamily="2" charset="-128"/>
+              </a:rPr>
+              <a:t>目的</a:t>
+            </a:r>
+            <a:r>
+              <a:rPr kumimoji="1" lang="en-US" altLang="ja-JP" sz="3600" b="1" u="sng" dirty="0">
+                <a:latin typeface="YUKYOKASHO MEDIUM" panose="02000500000000000000" pitchFamily="2" charset="-128"/>
+                <a:ea typeface="YUKYOKASHO MEDIUM" panose="02000500000000000000" pitchFamily="2" charset="-128"/>
+              </a:rPr>
+              <a:t>:</a:t>
+            </a:r>
+            <a:endParaRPr kumimoji="1" lang="ja-JP" altLang="en-US" sz="3600" b="1" u="sng">
+              <a:latin typeface="YUKYOKASHO MEDIUM" panose="02000500000000000000" pitchFamily="2" charset="-128"/>
+              <a:ea typeface="YUKYOKASHO MEDIUM" panose="02000500000000000000" pitchFamily="2" charset="-128"/>
+            </a:endParaRPr>
+          </a:p>
+        </p:txBody>
+      </p:sp>
+      <p:sp>
+        <p:nvSpPr>
+          <p:cNvPr id="7" name="テキスト ボックス 6">
+            <a:extLst>
+              <a:ext uri="{FF2B5EF4-FFF2-40B4-BE49-F238E27FC236}">
+                <a16:creationId xmlns:a16="http://schemas.microsoft.com/office/drawing/2014/main" id="{0BA80A3C-63A8-B87C-4CC9-78175A307B52}"/>
+              </a:ext>
+            </a:extLst>
+          </p:cNvPr>
+          <p:cNvSpPr txBox="1"/>
+          <p:nvPr/>
+        </p:nvSpPr>
+        <p:spPr>
+          <a:xfrm>
+            <a:off x="1775427" y="3181807"/>
+            <a:ext cx="20474973" cy="1323439"/>
+          </a:xfrm>
+          <a:prstGeom prst="rect">
+            <a:avLst/>
+          </a:prstGeom>
+          <a:noFill/>
+        </p:spPr>
+        <p:txBody>
+          <a:bodyPr wrap="square">
+            <a:spAutoFit/>
+          </a:bodyPr>
+          <a:lstStyle/>
+          <a:p>
+            <a:r>
+              <a:rPr lang="ja-JP" altLang="en-US" sz="3200">
+                <a:latin typeface="YuKyokasho Medium" panose="02000500000000000000" pitchFamily="2" charset="-128"/>
+                <a:ea typeface="YuKyokasho Medium" panose="02000500000000000000" pitchFamily="2" charset="-128"/>
+                <a:cs typeface="Times New Roman" panose="02020603050405020304" pitchFamily="18" charset="0"/>
+              </a:rPr>
+              <a:t>将来の誤り耐性量子計算機の</a:t>
+            </a:r>
+            <a:r>
+              <a:rPr lang="ja-JP" altLang="en-US" sz="3200">
+                <a:solidFill>
+                  <a:schemeClr val="accent2"/>
+                </a:solidFill>
+                <a:latin typeface="YuKyokasho Medium" panose="02000500000000000000" pitchFamily="2" charset="-128"/>
+                <a:ea typeface="YuKyokasho Medium" panose="02000500000000000000" pitchFamily="2" charset="-128"/>
+                <a:cs typeface="Times New Roman" panose="02020603050405020304" pitchFamily="18" charset="0"/>
+              </a:rPr>
+              <a:t>物質科学への実用的な応用</a:t>
+            </a:r>
+            <a:r>
+              <a:rPr lang="ja-JP" altLang="en-US" sz="3200">
+                <a:latin typeface="YuKyokasho Medium" panose="02000500000000000000" pitchFamily="2" charset="-128"/>
+                <a:ea typeface="YuKyokasho Medium" panose="02000500000000000000" pitchFamily="2" charset="-128"/>
+                <a:cs typeface="Times New Roman" panose="02020603050405020304" pitchFamily="18" charset="0"/>
+              </a:rPr>
+              <a:t>として</a:t>
+            </a:r>
+            <a:r>
+              <a:rPr lang="ja-JP" altLang="en-US" sz="3200" b="1" u="sng">
+                <a:latin typeface="YuKyokasho Medium" panose="02000500000000000000" pitchFamily="2" charset="-128"/>
+                <a:ea typeface="YuKyokasho Medium" panose="02000500000000000000" pitchFamily="2" charset="-128"/>
+                <a:cs typeface="Times New Roman" panose="02020603050405020304" pitchFamily="18" charset="0"/>
+              </a:rPr>
+              <a:t>量子ダイナミクス</a:t>
+            </a:r>
+            <a:r>
+              <a:rPr lang="ja-JP" altLang="en-US" sz="3200">
+                <a:latin typeface="YuKyokasho Medium" panose="02000500000000000000" pitchFamily="2" charset="-128"/>
+                <a:ea typeface="YuKyokasho Medium" panose="02000500000000000000" pitchFamily="2" charset="-128"/>
+                <a:cs typeface="Times New Roman" panose="02020603050405020304" pitchFamily="18" charset="0"/>
+              </a:rPr>
+              <a:t>に着目し、</a:t>
+            </a:r>
+            <a:endParaRPr lang="en-US" altLang="ja-JP" sz="3200" dirty="0">
+              <a:latin typeface="YuKyokasho Medium" panose="02000500000000000000" pitchFamily="2" charset="-128"/>
+              <a:ea typeface="YuKyokasho Medium" panose="02000500000000000000" pitchFamily="2" charset="-128"/>
+              <a:cs typeface="Times New Roman" panose="02020603050405020304" pitchFamily="18" charset="0"/>
+            </a:endParaRPr>
+          </a:p>
+          <a:p>
+            <a:endParaRPr lang="en-US" altLang="ja-JP" sz="1600" dirty="0">
+              <a:latin typeface="YuKyokasho Medium" panose="02000500000000000000" pitchFamily="2" charset="-128"/>
+              <a:ea typeface="YuKyokasho Medium" panose="02000500000000000000" pitchFamily="2" charset="-128"/>
+              <a:cs typeface="Times New Roman" panose="02020603050405020304" pitchFamily="18" charset="0"/>
+            </a:endParaRPr>
+          </a:p>
+          <a:p>
+            <a:pPr algn="r"/>
+            <a:r>
+              <a:rPr lang="ja-JP" altLang="en-US" sz="3200" u="sng">
+                <a:latin typeface="YuKyokasho Medium" panose="02000500000000000000" pitchFamily="2" charset="-128"/>
+                <a:ea typeface="YuKyokasho Medium" panose="02000500000000000000" pitchFamily="2" charset="-128"/>
+                <a:cs typeface="Times New Roman" panose="02020603050405020304" pitchFamily="18" charset="0"/>
+              </a:rPr>
+              <a:t>古典計算機と比べた量子優位性</a:t>
+            </a:r>
+            <a:r>
+              <a:rPr lang="en-US" altLang="ja-JP" sz="3200" u="sng" dirty="0">
+                <a:latin typeface="YuKyokasho Medium" panose="02000500000000000000" pitchFamily="2" charset="-128"/>
+                <a:ea typeface="YuKyokasho Medium" panose="02000500000000000000" pitchFamily="2" charset="-128"/>
+                <a:cs typeface="Times New Roman" panose="02020603050405020304" pitchFamily="18" charset="0"/>
+              </a:rPr>
+              <a:t> &amp; </a:t>
+            </a:r>
+            <a:r>
+              <a:rPr lang="ja-JP" altLang="en-US" sz="3200" u="sng">
+                <a:latin typeface="YuKyokasho Medium" panose="02000500000000000000" pitchFamily="2" charset="-128"/>
+                <a:ea typeface="YuKyokasho Medium" panose="02000500000000000000" pitchFamily="2" charset="-128"/>
+                <a:cs typeface="Times New Roman" panose="02020603050405020304" pitchFamily="18" charset="0"/>
+              </a:rPr>
+              <a:t>物性物理等における科学的重要性</a:t>
+            </a:r>
+            <a:r>
+              <a:rPr lang="en-US" altLang="ja-JP" sz="3200" dirty="0">
+                <a:latin typeface="YuKyokasho Medium" panose="02000500000000000000" pitchFamily="2" charset="-128"/>
+                <a:ea typeface="YuKyokasho Medium" panose="02000500000000000000" pitchFamily="2" charset="-128"/>
+                <a:cs typeface="Times New Roman" panose="02020603050405020304" pitchFamily="18" charset="0"/>
+              </a:rPr>
+              <a:t> </a:t>
+            </a:r>
+            <a:r>
+              <a:rPr lang="ja-JP" altLang="en-US" sz="3200">
+                <a:latin typeface="YuKyokasho Medium" panose="02000500000000000000" pitchFamily="2" charset="-128"/>
+                <a:ea typeface="YuKyokasho Medium" panose="02000500000000000000" pitchFamily="2" charset="-128"/>
+                <a:cs typeface="Times New Roman" panose="02020603050405020304" pitchFamily="18" charset="0"/>
+              </a:rPr>
+              <a:t>を両立した具体的ユースケースの探索</a:t>
+            </a:r>
+            <a:r>
+              <a:rPr lang="en-US" altLang="ja-JP" sz="3200" dirty="0">
+                <a:latin typeface="YuKyokasho Medium" panose="02000500000000000000" pitchFamily="2" charset="-128"/>
+                <a:ea typeface="YuKyokasho Medium" panose="02000500000000000000" pitchFamily="2" charset="-128"/>
+                <a:cs typeface="Times New Roman" panose="02020603050405020304" pitchFamily="18" charset="0"/>
+              </a:rPr>
+              <a:t>  </a:t>
+            </a:r>
+            <a:endParaRPr lang="ja-JP" altLang="en-US" sz="3200">
+              <a:latin typeface="YuKyokasho Medium" panose="02000500000000000000" pitchFamily="2" charset="-128"/>
+              <a:ea typeface="YuKyokasho Medium" panose="02000500000000000000" pitchFamily="2" charset="-128"/>
+              <a:cs typeface="Times New Roman" panose="02020603050405020304" pitchFamily="18" charset="0"/>
+            </a:endParaRPr>
+          </a:p>
+        </p:txBody>
+      </p:sp>
+      <p:sp>
+        <p:nvSpPr>
+          <p:cNvPr id="8" name="テキスト ボックス 7">
+            <a:extLst>
+              <a:ext uri="{FF2B5EF4-FFF2-40B4-BE49-F238E27FC236}">
+                <a16:creationId xmlns:a16="http://schemas.microsoft.com/office/drawing/2014/main" id="{811F9CD1-D9B3-F029-6B71-9C143048954D}"/>
+              </a:ext>
+            </a:extLst>
+          </p:cNvPr>
+          <p:cNvSpPr txBox="1"/>
+          <p:nvPr/>
+        </p:nvSpPr>
+        <p:spPr>
+          <a:xfrm>
+            <a:off x="360430" y="1269095"/>
+            <a:ext cx="1261884" cy="646331"/>
+          </a:xfrm>
+          <a:prstGeom prst="rect">
+            <a:avLst/>
+          </a:prstGeom>
+          <a:noFill/>
+        </p:spPr>
+        <p:txBody>
+          <a:bodyPr wrap="none" rtlCol="0">
+            <a:spAutoFit/>
+          </a:bodyPr>
+          <a:lstStyle/>
+          <a:p>
+            <a:r>
+              <a:rPr kumimoji="1" lang="ja-JP" altLang="en-US" sz="3600" b="1" u="sng">
+                <a:latin typeface="YUKYOKASHO MEDIUM" panose="02000500000000000000" pitchFamily="2" charset="-128"/>
+                <a:ea typeface="YUKYOKASHO MEDIUM" panose="02000500000000000000" pitchFamily="2" charset="-128"/>
+              </a:rPr>
+              <a:t>課題</a:t>
+            </a:r>
+            <a:r>
+              <a:rPr kumimoji="1" lang="en-US" altLang="ja-JP" sz="3600" b="1" u="sng" dirty="0">
+                <a:latin typeface="YUKYOKASHO MEDIUM" panose="02000500000000000000" pitchFamily="2" charset="-128"/>
+                <a:ea typeface="YUKYOKASHO MEDIUM" panose="02000500000000000000" pitchFamily="2" charset="-128"/>
+              </a:rPr>
+              <a:t>:</a:t>
+            </a:r>
+            <a:endParaRPr kumimoji="1" lang="ja-JP" altLang="en-US" sz="3600" b="1" u="sng">
+              <a:latin typeface="YUKYOKASHO MEDIUM" panose="02000500000000000000" pitchFamily="2" charset="-128"/>
+              <a:ea typeface="YUKYOKASHO MEDIUM" panose="02000500000000000000" pitchFamily="2" charset="-128"/>
+            </a:endParaRPr>
+          </a:p>
+        </p:txBody>
+      </p:sp>
+      <p:sp>
+        <p:nvSpPr>
+          <p:cNvPr id="9" name="テキスト ボックス 8">
+            <a:extLst>
+              <a:ext uri="{FF2B5EF4-FFF2-40B4-BE49-F238E27FC236}">
+                <a16:creationId xmlns:a16="http://schemas.microsoft.com/office/drawing/2014/main" id="{A5091294-B886-D69F-7CFE-CEA3F3742BEB}"/>
+              </a:ext>
+            </a:extLst>
+          </p:cNvPr>
+          <p:cNvSpPr txBox="1"/>
+          <p:nvPr/>
+        </p:nvSpPr>
+        <p:spPr>
+          <a:xfrm>
+            <a:off x="1775427" y="1503651"/>
+            <a:ext cx="14257053" cy="1323439"/>
+          </a:xfrm>
+          <a:prstGeom prst="rect">
+            <a:avLst/>
+          </a:prstGeom>
+          <a:noFill/>
+        </p:spPr>
+        <p:txBody>
+          <a:bodyPr wrap="square">
+            <a:spAutoFit/>
+          </a:bodyPr>
+          <a:lstStyle/>
+          <a:p>
+            <a:r>
+              <a:rPr lang="ja-JP" altLang="en-US" sz="3200">
+                <a:latin typeface="YuKyokasho Medium" panose="02000500000000000000" pitchFamily="2" charset="-128"/>
+                <a:ea typeface="YuKyokasho Medium" panose="02000500000000000000" pitchFamily="2" charset="-128"/>
+                <a:cs typeface="Times New Roman" panose="02020603050405020304" pitchFamily="18" charset="0"/>
+              </a:rPr>
+              <a:t>量子計算機で従来の古典計算機よりも高速に解けて、</a:t>
+            </a:r>
+            <a:endParaRPr lang="en-US" altLang="ja-JP" sz="3200" dirty="0">
+              <a:latin typeface="YuKyokasho Medium" panose="02000500000000000000" pitchFamily="2" charset="-128"/>
+              <a:ea typeface="YuKyokasho Medium" panose="02000500000000000000" pitchFamily="2" charset="-128"/>
+              <a:cs typeface="Times New Roman" panose="02020603050405020304" pitchFamily="18" charset="0"/>
+            </a:endParaRPr>
+          </a:p>
+          <a:p>
+            <a:endParaRPr lang="en-US" altLang="ja-JP" sz="1600" dirty="0">
+              <a:latin typeface="YuKyokasho Medium" panose="02000500000000000000" pitchFamily="2" charset="-128"/>
+              <a:ea typeface="YuKyokasho Medium" panose="02000500000000000000" pitchFamily="2" charset="-128"/>
+              <a:cs typeface="Times New Roman" panose="02020603050405020304" pitchFamily="18" charset="0"/>
+            </a:endParaRPr>
+          </a:p>
+          <a:p>
+            <a:pPr algn="r"/>
+            <a:r>
+              <a:rPr lang="ja-JP" altLang="en-US" sz="3200">
+                <a:latin typeface="YuKyokasho Medium" panose="02000500000000000000" pitchFamily="2" charset="-128"/>
+                <a:ea typeface="YuKyokasho Medium" panose="02000500000000000000" pitchFamily="2" charset="-128"/>
+                <a:cs typeface="Times New Roman" panose="02020603050405020304" pitchFamily="18" charset="0"/>
+              </a:rPr>
+              <a:t>なおかつ実用上も重要な問題は何か？</a:t>
+            </a:r>
+          </a:p>
+        </p:txBody>
+      </p:sp>
+      <p:sp>
+        <p:nvSpPr>
+          <p:cNvPr id="10" name="右矢印 9">
+            <a:extLst>
+              <a:ext uri="{FF2B5EF4-FFF2-40B4-BE49-F238E27FC236}">
+                <a16:creationId xmlns:a16="http://schemas.microsoft.com/office/drawing/2014/main" id="{49C9CBB4-EC4F-68CB-A74C-0F5470F62455}"/>
               </a:ext>
             </a:extLst>
           </p:cNvPr>
@@ -3340,17 +3749,22 @@
         </p:nvSpPr>
         <p:spPr>
           <a:xfrm>
-            <a:off x="1" y="1"/>
-            <a:ext cx="13506449" cy="1107996"/>
+            <a:off x="16446466" y="1770498"/>
+            <a:ext cx="1361440" cy="911664"/>
           </a:xfrm>
-          <a:prstGeom prst="rect">
+          <a:prstGeom prst="rightArrow">
             <a:avLst/>
           </a:prstGeom>
           <a:solidFill>
-            <a:schemeClr val="tx1"/>
+            <a:schemeClr val="accent2">
+              <a:lumMod val="20000"/>
+              <a:lumOff val="80000"/>
+            </a:schemeClr>
           </a:solidFill>
-          <a:ln>
-            <a:noFill/>
+          <a:ln w="57150">
+            <a:solidFill>
+              <a:schemeClr val="accent2"/>
+            </a:solidFill>
           </a:ln>
         </p:spPr>
         <p:style>
@@ -3380,10 +3794,10 @@
       </p:sp>
       <p:sp>
         <p:nvSpPr>
-          <p:cNvPr id="6" name="テキスト ボックス 5">
+          <p:cNvPr id="11" name="テキスト ボックス 10">
             <a:extLst>
               <a:ext uri="{FF2B5EF4-FFF2-40B4-BE49-F238E27FC236}">
-                <a16:creationId xmlns:a16="http://schemas.microsoft.com/office/drawing/2014/main" id="{B82E6F23-D4A7-3F59-B3FA-B89AFF7E64CD}"/>
+                <a16:creationId xmlns:a16="http://schemas.microsoft.com/office/drawing/2014/main" id="{437A9D55-DA72-DA3B-1FB5-5E3940295016}"/>
               </a:ext>
             </a:extLst>
           </p:cNvPr>
@@ -3392,8 +3806,8 @@
         </p:nvSpPr>
         <p:spPr>
           <a:xfrm>
-            <a:off x="447299" y="52919"/>
-            <a:ext cx="12611850" cy="923330"/>
+            <a:off x="17889556" y="1564610"/>
+            <a:ext cx="4615213" cy="1323439"/>
           </a:xfrm>
           <a:prstGeom prst="rect">
             <a:avLst/>
@@ -3401,841 +3815,103 @@
           <a:noFill/>
         </p:spPr>
         <p:txBody>
-          <a:bodyPr wrap="square" rtlCol="0">
+          <a:bodyPr wrap="square">
             <a:spAutoFit/>
           </a:bodyPr>
           <a:lstStyle/>
           <a:p>
-            <a:r>
-              <a:rPr kumimoji="1" lang="en-US" altLang="ja-JP" sz="5400" dirty="0">
+            <a:pPr algn="ctr"/>
+            <a:r>
+              <a:rPr lang="ja-JP" altLang="en-US" sz="3200">
                 <a:solidFill>
-                  <a:schemeClr val="bg1"/>
+                  <a:schemeClr val="accent2"/>
                 </a:solidFill>
-                <a:latin typeface="Times New Roman" panose="02020603050405020304" pitchFamily="18" charset="0"/>
-                <a:cs typeface="Times New Roman" panose="02020603050405020304" pitchFamily="18" charset="0"/>
-              </a:rPr>
-              <a:t>6</a:t>
-            </a:r>
-            <a:r>
-              <a:rPr kumimoji="1" lang="en-US" altLang="ja-JP" sz="5400">
-                <a:solidFill>
-                  <a:schemeClr val="bg1"/>
-                </a:solidFill>
-                <a:latin typeface="Times New Roman" panose="02020603050405020304" pitchFamily="18" charset="0"/>
-                <a:cs typeface="Times New Roman" panose="02020603050405020304" pitchFamily="18" charset="0"/>
-              </a:rPr>
-              <a:t>. </a:t>
-            </a:r>
-            <a:r>
-              <a:rPr kumimoji="1" lang="en-US" altLang="ja-JP" sz="5400" dirty="0">
-                <a:solidFill>
-                  <a:schemeClr val="bg1"/>
-                </a:solidFill>
-                <a:latin typeface="Times New Roman" panose="02020603050405020304" pitchFamily="18" charset="0"/>
-                <a:cs typeface="Times New Roman" panose="02020603050405020304" pitchFamily="18" charset="0"/>
-              </a:rPr>
-              <a:t>Summary &amp; Future direction</a:t>
-            </a:r>
-            <a:endParaRPr kumimoji="1" lang="ja-JP" altLang="en-US" sz="5400">
-              <a:solidFill>
-                <a:schemeClr val="bg1"/>
-              </a:solidFill>
-              <a:latin typeface="Times New Roman" panose="02020603050405020304" pitchFamily="18" charset="0"/>
-              <a:cs typeface="Times New Roman" panose="02020603050405020304" pitchFamily="18" charset="0"/>
-            </a:endParaRPr>
-          </a:p>
-        </p:txBody>
-      </p:sp>
-      <p:sp>
-        <p:nvSpPr>
-          <p:cNvPr id="21" name="テキスト ボックス 20">
-            <a:extLst>
-              <a:ext uri="{FF2B5EF4-FFF2-40B4-BE49-F238E27FC236}">
-                <a16:creationId xmlns:a16="http://schemas.microsoft.com/office/drawing/2014/main" id="{B3870097-64B7-81C1-43D6-17EE2740D415}"/>
-              </a:ext>
-            </a:extLst>
-          </p:cNvPr>
-          <p:cNvSpPr txBox="1"/>
-          <p:nvPr/>
-        </p:nvSpPr>
-        <p:spPr>
-          <a:xfrm>
-            <a:off x="200641" y="1230915"/>
-            <a:ext cx="9863782" cy="523220"/>
-          </a:xfrm>
-          <a:prstGeom prst="rect">
-            <a:avLst/>
-          </a:prstGeom>
-          <a:noFill/>
-        </p:spPr>
-        <p:txBody>
-          <a:bodyPr wrap="square" rtlCol="0">
-            <a:spAutoFit/>
-          </a:bodyPr>
-          <a:lstStyle/>
-          <a:p>
-            <a:r>
-              <a:rPr kumimoji="1" lang="ja-JP" altLang="en-US" sz="2400">
-                <a:solidFill>
-                  <a:schemeClr val="tx1"/>
-                </a:solidFill>
-                <a:latin typeface="Times New Roman" panose="02020603050405020304" pitchFamily="18" charset="0"/>
+                <a:latin typeface="YuKyokasho Medium" panose="02000500000000000000" pitchFamily="2" charset="-128"/>
                 <a:ea typeface="YuKyokasho Medium" panose="02000500000000000000" pitchFamily="2" charset="-128"/>
                 <a:cs typeface="Times New Roman" panose="02020603050405020304" pitchFamily="18" charset="0"/>
               </a:rPr>
-              <a:t>✔︎</a:t>
-            </a:r>
-            <a:r>
-              <a:rPr kumimoji="1" lang="en-US" altLang="ja-JP" sz="2800" dirty="0">
+              <a:t>物質科学</a:t>
+            </a:r>
+            <a:r>
+              <a:rPr lang="en-US" altLang="ja-JP" sz="2000" dirty="0">
                 <a:solidFill>
-                  <a:schemeClr val="tx1"/>
+                  <a:schemeClr val="accent2"/>
                 </a:solidFill>
-                <a:latin typeface="Times New Roman" panose="02020603050405020304" pitchFamily="18" charset="0"/>
+                <a:latin typeface="YuKyokasho Medium" panose="02000500000000000000" pitchFamily="2" charset="-128"/>
                 <a:ea typeface="YuKyokasho Medium" panose="02000500000000000000" pitchFamily="2" charset="-128"/>
                 <a:cs typeface="Times New Roman" panose="02020603050405020304" pitchFamily="18" charset="0"/>
               </a:rPr>
-              <a:t> Complete proof of the MPF cost for generic local Hamiltonians</a:t>
-            </a:r>
-            <a:endParaRPr kumimoji="1" lang="ja-JP" altLang="en-US" sz="2800">
+              <a:t>(</a:t>
+            </a:r>
+            <a:r>
+              <a:rPr lang="ja-JP" altLang="en-US" sz="2000">
+                <a:solidFill>
+                  <a:schemeClr val="accent2"/>
+                </a:solidFill>
+                <a:latin typeface="YuKyokasho Medium" panose="02000500000000000000" pitchFamily="2" charset="-128"/>
+                <a:ea typeface="YuKyokasho Medium" panose="02000500000000000000" pitchFamily="2" charset="-128"/>
+                <a:cs typeface="Times New Roman" panose="02020603050405020304" pitchFamily="18" charset="0"/>
+              </a:rPr>
+              <a:t>物性物理</a:t>
+            </a:r>
+            <a:r>
+              <a:rPr lang="en-US" altLang="ja-JP" sz="2000" dirty="0">
+                <a:solidFill>
+                  <a:schemeClr val="accent2"/>
+                </a:solidFill>
+                <a:latin typeface="YuKyokasho Medium" panose="02000500000000000000" pitchFamily="2" charset="-128"/>
+                <a:ea typeface="YuKyokasho Medium" panose="02000500000000000000" pitchFamily="2" charset="-128"/>
+                <a:cs typeface="Times New Roman" panose="02020603050405020304" pitchFamily="18" charset="0"/>
+              </a:rPr>
+              <a:t>&amp;</a:t>
+            </a:r>
+            <a:r>
+              <a:rPr lang="ja-JP" altLang="en-US" sz="2000">
+                <a:solidFill>
+                  <a:schemeClr val="accent2"/>
+                </a:solidFill>
+                <a:latin typeface="YuKyokasho Medium" panose="02000500000000000000" pitchFamily="2" charset="-128"/>
+                <a:ea typeface="YuKyokasho Medium" panose="02000500000000000000" pitchFamily="2" charset="-128"/>
+                <a:cs typeface="Times New Roman" panose="02020603050405020304" pitchFamily="18" charset="0"/>
+              </a:rPr>
+              <a:t>量子化学</a:t>
+            </a:r>
+            <a:r>
+              <a:rPr lang="en-US" altLang="ja-JP" sz="2000" dirty="0">
+                <a:solidFill>
+                  <a:schemeClr val="accent2"/>
+                </a:solidFill>
+                <a:latin typeface="YuKyokasho Medium" panose="02000500000000000000" pitchFamily="2" charset="-128"/>
+                <a:ea typeface="YuKyokasho Medium" panose="02000500000000000000" pitchFamily="2" charset="-128"/>
+                <a:cs typeface="Times New Roman" panose="02020603050405020304" pitchFamily="18" charset="0"/>
+              </a:rPr>
+              <a:t>)</a:t>
+            </a:r>
+          </a:p>
+          <a:p>
+            <a:pPr algn="ctr"/>
+            <a:endParaRPr lang="en-US" altLang="ja-JP" sz="1600" dirty="0">
               <a:solidFill>
-                <a:schemeClr val="tx1"/>
+                <a:schemeClr val="accent2"/>
               </a:solidFill>
-              <a:latin typeface="Times New Roman" panose="02020603050405020304" pitchFamily="18" charset="0"/>
+              <a:latin typeface="YuKyokasho Medium" panose="02000500000000000000" pitchFamily="2" charset="-128"/>
               <a:ea typeface="YuKyokasho Medium" panose="02000500000000000000" pitchFamily="2" charset="-128"/>
               <a:cs typeface="Times New Roman" panose="02020603050405020304" pitchFamily="18" charset="0"/>
             </a:endParaRPr>
           </a:p>
-        </p:txBody>
-      </p:sp>
-      <mc:AlternateContent xmlns:mc="http://schemas.openxmlformats.org/markup-compatibility/2006">
-        <mc:Choice xmlns:a14="http://schemas.microsoft.com/office/drawing/2010/main" Requires="a14">
-          <p:sp>
-            <p:nvSpPr>
-              <p:cNvPr id="7" name="テキスト ボックス 6">
-                <a:extLst>
-                  <a:ext uri="{FF2B5EF4-FFF2-40B4-BE49-F238E27FC236}">
-                    <a16:creationId xmlns:a16="http://schemas.microsoft.com/office/drawing/2014/main" id="{650F04B6-63F3-FBEA-8A34-6E54239CA8BA}"/>
-                  </a:ext>
-                </a:extLst>
-              </p:cNvPr>
-              <p:cNvSpPr txBox="1"/>
-              <p:nvPr/>
-            </p:nvSpPr>
-            <p:spPr>
-              <a:xfrm>
-                <a:off x="200641" y="2058053"/>
-                <a:ext cx="13028964" cy="954107"/>
-              </a:xfrm>
-              <a:prstGeom prst="rect">
-                <a:avLst/>
-              </a:prstGeom>
-              <a:noFill/>
-            </p:spPr>
-            <p:txBody>
-              <a:bodyPr wrap="square" rtlCol="0">
-                <a:spAutoFit/>
-              </a:bodyPr>
-              <a:lstStyle/>
-              <a:p>
-                <a:r>
-                  <a:rPr kumimoji="1" lang="ja-JP" altLang="en-US" sz="2400">
-                    <a:solidFill>
-                      <a:schemeClr val="tx1"/>
-                    </a:solidFill>
-                    <a:latin typeface="Times New Roman" panose="02020603050405020304" pitchFamily="18" charset="0"/>
-                    <a:ea typeface="YuKyokasho Medium" panose="02000500000000000000" pitchFamily="2" charset="-128"/>
-                    <a:cs typeface="Times New Roman" panose="02020603050405020304" pitchFamily="18" charset="0"/>
-                  </a:rPr>
-                  <a:t>✔︎</a:t>
-                </a:r>
-                <a:r>
-                  <a:rPr kumimoji="1" lang="en-US" altLang="ja-JP" sz="2400" dirty="0">
-                    <a:solidFill>
-                      <a:schemeClr val="tx1"/>
-                    </a:solidFill>
-                    <a:latin typeface="Times New Roman" panose="02020603050405020304" pitchFamily="18" charset="0"/>
-                    <a:ea typeface="YuKyokasho Medium" panose="02000500000000000000" pitchFamily="2" charset="-128"/>
-                    <a:cs typeface="Times New Roman" panose="02020603050405020304" pitchFamily="18" charset="0"/>
-                  </a:rPr>
-                  <a:t> </a:t>
-                </a:r>
-                <a:r>
-                  <a:rPr kumimoji="1" lang="en-US" altLang="ja-JP" sz="2800" dirty="0">
-                    <a:solidFill>
-                      <a:schemeClr val="tx1"/>
-                    </a:solidFill>
-                    <a:latin typeface="Times New Roman" panose="02020603050405020304" pitchFamily="18" charset="0"/>
-                    <a:ea typeface="YuKyokasho Medium" panose="02000500000000000000" pitchFamily="2" charset="-128"/>
-                    <a:cs typeface="Times New Roman" panose="02020603050405020304" pitchFamily="18" charset="0"/>
-                  </a:rPr>
-                  <a:t>Truncation order </a:t>
-                </a:r>
-                <a14:m>
-                  <m:oMath xmlns:m="http://schemas.openxmlformats.org/officeDocument/2006/math">
-                    <m:sSub>
-                      <m:sSubPr>
-                        <m:ctrlPr>
-                          <a:rPr kumimoji="1" lang="en-US" altLang="ja-JP" sz="2800" i="1" smtClean="0">
-                            <a:solidFill>
-                              <a:schemeClr val="tx1"/>
-                            </a:solidFill>
-                            <a:latin typeface="Cambria Math" panose="02040503050406030204" pitchFamily="18" charset="0"/>
-                            <a:ea typeface="YuKyokasho Medium" panose="02000500000000000000" pitchFamily="2" charset="-128"/>
-                            <a:cs typeface="Times New Roman" panose="02020603050405020304" pitchFamily="18" charset="0"/>
-                          </a:rPr>
-                        </m:ctrlPr>
-                      </m:sSubPr>
-                      <m:e>
-                        <m:r>
-                          <a:rPr kumimoji="1" lang="en-US" altLang="ja-JP" sz="2800" b="0" i="1" smtClean="0">
-                            <a:solidFill>
-                              <a:schemeClr val="tx1"/>
-                            </a:solidFill>
-                            <a:latin typeface="Cambria Math" panose="02040503050406030204" pitchFamily="18" charset="0"/>
-                            <a:ea typeface="YuKyokasho Medium" panose="02000500000000000000" pitchFamily="2" charset="-128"/>
-                            <a:cs typeface="Times New Roman" panose="02020603050405020304" pitchFamily="18" charset="0"/>
-                          </a:rPr>
-                          <m:t>𝑝</m:t>
-                        </m:r>
-                      </m:e>
-                      <m:sub>
-                        <m:r>
-                          <a:rPr kumimoji="1" lang="en-US" altLang="ja-JP" sz="2800" b="0" i="1" smtClean="0">
-                            <a:solidFill>
-                              <a:schemeClr val="tx1"/>
-                            </a:solidFill>
-                            <a:latin typeface="Cambria Math" panose="02040503050406030204" pitchFamily="18" charset="0"/>
-                            <a:ea typeface="YuKyokasho Medium" panose="02000500000000000000" pitchFamily="2" charset="-128"/>
-                            <a:cs typeface="Times New Roman" panose="02020603050405020304" pitchFamily="18" charset="0"/>
-                          </a:rPr>
-                          <m:t>0</m:t>
-                        </m:r>
-                      </m:sub>
-                    </m:sSub>
-                    <m:r>
-                      <a:rPr kumimoji="1" lang="en-US" altLang="ja-JP" sz="2800" i="1" smtClean="0">
-                        <a:solidFill>
-                          <a:schemeClr val="tx1"/>
-                        </a:solidFill>
-                        <a:latin typeface="Cambria Math" panose="02040503050406030204" pitchFamily="18" charset="0"/>
-                        <a:ea typeface="Cambria Math" panose="02040503050406030204" pitchFamily="18" charset="0"/>
-                        <a:cs typeface="Times New Roman" panose="02020603050405020304" pitchFamily="18" charset="0"/>
-                      </a:rPr>
-                      <m:t>∈</m:t>
-                    </m:r>
-                    <m:r>
-                      <a:rPr kumimoji="1" lang="en-US" altLang="ja-JP" sz="2800" i="1" smtClean="0">
-                        <a:solidFill>
-                          <a:schemeClr val="tx1"/>
-                        </a:solidFill>
-                        <a:latin typeface="Cambria Math" panose="02040503050406030204" pitchFamily="18" charset="0"/>
-                        <a:ea typeface="Cambria Math" panose="02040503050406030204" pitchFamily="18" charset="0"/>
-                        <a:cs typeface="Times New Roman" panose="02020603050405020304" pitchFamily="18" charset="0"/>
-                      </a:rPr>
-                      <m:t>𝒪</m:t>
-                    </m:r>
-                    <m:r>
-                      <a:rPr kumimoji="1" lang="en-US" altLang="ja-JP" sz="2800" b="0" i="1" smtClean="0">
-                        <a:solidFill>
-                          <a:schemeClr val="tx1"/>
-                        </a:solidFill>
-                        <a:latin typeface="Cambria Math" panose="02040503050406030204" pitchFamily="18" charset="0"/>
-                        <a:ea typeface="Cambria Math" panose="02040503050406030204" pitchFamily="18" charset="0"/>
-                        <a:cs typeface="Times New Roman" panose="02020603050405020304" pitchFamily="18" charset="0"/>
-                      </a:rPr>
-                      <m:t>(</m:t>
-                    </m:r>
-                    <m:func>
-                      <m:funcPr>
-                        <m:ctrlPr>
-                          <a:rPr kumimoji="1" lang="en-US" altLang="ja-JP" sz="2800" b="0" i="1" smtClean="0">
-                            <a:solidFill>
-                              <a:schemeClr val="tx1"/>
-                            </a:solidFill>
-                            <a:latin typeface="Cambria Math" panose="02040503050406030204" pitchFamily="18" charset="0"/>
-                            <a:ea typeface="Cambria Math" panose="02040503050406030204" pitchFamily="18" charset="0"/>
-                            <a:cs typeface="Times New Roman" panose="02020603050405020304" pitchFamily="18" charset="0"/>
-                          </a:rPr>
-                        </m:ctrlPr>
-                      </m:funcPr>
-                      <m:fName>
-                        <m:r>
-                          <m:rPr>
-                            <m:sty m:val="p"/>
-                          </m:rPr>
-                          <a:rPr kumimoji="1" lang="en-US" altLang="ja-JP" sz="2800" b="0" i="0" smtClean="0">
-                            <a:solidFill>
-                              <a:schemeClr val="tx1"/>
-                            </a:solidFill>
-                            <a:latin typeface="Cambria Math" panose="02040503050406030204" pitchFamily="18" charset="0"/>
-                            <a:ea typeface="Cambria Math" panose="02040503050406030204" pitchFamily="18" charset="0"/>
-                            <a:cs typeface="Times New Roman" panose="02020603050405020304" pitchFamily="18" charset="0"/>
-                          </a:rPr>
-                          <m:t>log</m:t>
-                        </m:r>
-                      </m:fName>
-                      <m:e>
-                        <m:r>
-                          <a:rPr kumimoji="1" lang="en-US" altLang="ja-JP" sz="2800" b="0" i="1" smtClean="0">
-                            <a:solidFill>
-                              <a:schemeClr val="tx1"/>
-                            </a:solidFill>
-                            <a:latin typeface="Cambria Math" panose="02040503050406030204" pitchFamily="18" charset="0"/>
-                            <a:ea typeface="Cambria Math" panose="02040503050406030204" pitchFamily="18" charset="0"/>
-                            <a:cs typeface="Times New Roman" panose="02020603050405020304" pitchFamily="18" charset="0"/>
-                          </a:rPr>
-                          <m:t>(</m:t>
-                        </m:r>
-                        <m:r>
-                          <a:rPr kumimoji="1" lang="en-US" altLang="ja-JP" sz="2800" b="0" i="1" smtClean="0">
-                            <a:solidFill>
-                              <a:schemeClr val="tx1"/>
-                            </a:solidFill>
-                            <a:latin typeface="Cambria Math" panose="02040503050406030204" pitchFamily="18" charset="0"/>
-                            <a:ea typeface="Cambria Math" panose="02040503050406030204" pitchFamily="18" charset="0"/>
-                            <a:cs typeface="Times New Roman" panose="02020603050405020304" pitchFamily="18" charset="0"/>
-                          </a:rPr>
-                          <m:t>𝑁</m:t>
-                        </m:r>
-                        <m:r>
-                          <a:rPr kumimoji="1" lang="en-US" altLang="ja-JP" sz="2800" b="0" i="1" smtClean="0">
-                            <a:solidFill>
-                              <a:schemeClr val="tx1"/>
-                            </a:solidFill>
-                            <a:latin typeface="Cambria Math" panose="02040503050406030204" pitchFamily="18" charset="0"/>
-                            <a:ea typeface="Cambria Math" panose="02040503050406030204" pitchFamily="18" charset="0"/>
-                            <a:cs typeface="Times New Roman" panose="02020603050405020304" pitchFamily="18" charset="0"/>
-                          </a:rPr>
-                          <m:t>/</m:t>
-                        </m:r>
-                        <m:r>
-                          <a:rPr kumimoji="1" lang="en-US" altLang="ja-JP" sz="2800" b="0" i="1" smtClean="0">
-                            <a:solidFill>
-                              <a:schemeClr val="tx1"/>
-                            </a:solidFill>
-                            <a:latin typeface="Cambria Math" panose="02040503050406030204" pitchFamily="18" charset="0"/>
-                            <a:ea typeface="Cambria Math" panose="02040503050406030204" pitchFamily="18" charset="0"/>
-                            <a:cs typeface="Times New Roman" panose="02020603050405020304" pitchFamily="18" charset="0"/>
-                          </a:rPr>
-                          <m:t>𝜖</m:t>
-                        </m:r>
-                        <m:r>
-                          <a:rPr kumimoji="1" lang="en-US" altLang="ja-JP" sz="2800" b="0" i="1" smtClean="0">
-                            <a:solidFill>
-                              <a:schemeClr val="tx1"/>
-                            </a:solidFill>
-                            <a:latin typeface="Cambria Math" panose="02040503050406030204" pitchFamily="18" charset="0"/>
-                            <a:ea typeface="Cambria Math" panose="02040503050406030204" pitchFamily="18" charset="0"/>
-                            <a:cs typeface="Times New Roman" panose="02020603050405020304" pitchFamily="18" charset="0"/>
-                          </a:rPr>
-                          <m:t>)</m:t>
-                        </m:r>
-                      </m:e>
-                    </m:func>
-                    <m:r>
-                      <a:rPr kumimoji="1" lang="en-US" altLang="ja-JP" sz="2800" b="0" i="1" smtClean="0">
-                        <a:solidFill>
-                          <a:schemeClr val="tx1"/>
-                        </a:solidFill>
-                        <a:latin typeface="Cambria Math" panose="02040503050406030204" pitchFamily="18" charset="0"/>
-                        <a:ea typeface="Cambria Math" panose="02040503050406030204" pitchFamily="18" charset="0"/>
-                        <a:cs typeface="Times New Roman" panose="02020603050405020304" pitchFamily="18" charset="0"/>
-                      </a:rPr>
-                      <m:t>)</m:t>
-                    </m:r>
-                  </m:oMath>
-                </a14:m>
-                <a:r>
-                  <a:rPr kumimoji="1" lang="en-US" altLang="ja-JP" sz="2800" dirty="0">
-                    <a:solidFill>
-                      <a:schemeClr val="tx1"/>
-                    </a:solidFill>
-                    <a:latin typeface="Times New Roman" panose="02020603050405020304" pitchFamily="18" charset="0"/>
-                    <a:ea typeface="YuKyokasho Medium" panose="02000500000000000000" pitchFamily="2" charset="-128"/>
-                    <a:cs typeface="Times New Roman" panose="02020603050405020304" pitchFamily="18" charset="0"/>
-                  </a:rPr>
-                  <a:t> for nested commutators</a:t>
-                </a:r>
-              </a:p>
-              <a:p>
-                <a:pPr algn="r"/>
-                <a:r>
-                  <a:rPr kumimoji="1" lang="en-US" altLang="ja-JP" sz="2800" dirty="0">
-                    <a:latin typeface="Times New Roman" panose="02020603050405020304" pitchFamily="18" charset="0"/>
-                    <a:ea typeface="YuKyokasho Medium" panose="02000500000000000000" pitchFamily="2" charset="-128"/>
-                    <a:cs typeface="Times New Roman" panose="02020603050405020304" pitchFamily="18" charset="0"/>
-                  </a:rPr>
-                  <a:t>plays a central role in reducing </a:t>
-                </a:r>
-                <a14:m>
-                  <m:oMath xmlns:m="http://schemas.openxmlformats.org/officeDocument/2006/math">
-                    <m:r>
-                      <a:rPr kumimoji="1" lang="en-US" altLang="ja-JP" sz="2800" b="0" i="1" smtClean="0">
-                        <a:latin typeface="Cambria Math" panose="02040503050406030204" pitchFamily="18" charset="0"/>
-                        <a:ea typeface="YuKyokasho Medium" panose="02000500000000000000" pitchFamily="2" charset="-128"/>
-                        <a:cs typeface="Times New Roman" panose="02020603050405020304" pitchFamily="18" charset="0"/>
-                      </a:rPr>
-                      <m:t>𝑁</m:t>
-                    </m:r>
-                  </m:oMath>
-                </a14:m>
-                <a:r>
-                  <a:rPr kumimoji="1" lang="en-US" altLang="ja-JP" sz="2800" dirty="0">
-                    <a:solidFill>
-                      <a:schemeClr val="tx1"/>
-                    </a:solidFill>
-                    <a:latin typeface="Times New Roman" panose="02020603050405020304" pitchFamily="18" charset="0"/>
-                    <a:ea typeface="YuKyokasho Medium" panose="02000500000000000000" pitchFamily="2" charset="-128"/>
-                    <a:cs typeface="Times New Roman" panose="02020603050405020304" pitchFamily="18" charset="0"/>
-                  </a:rPr>
-                  <a:t>-scaling, i.e., reflecting the locality</a:t>
-                </a:r>
-                <a:endParaRPr kumimoji="1" lang="ja-JP" altLang="en-US" sz="2800">
-                  <a:solidFill>
-                    <a:schemeClr val="tx1"/>
-                  </a:solidFill>
-                  <a:latin typeface="Times New Roman" panose="02020603050405020304" pitchFamily="18" charset="0"/>
-                  <a:ea typeface="YuKyokasho Medium" panose="02000500000000000000" pitchFamily="2" charset="-128"/>
-                  <a:cs typeface="Times New Roman" panose="02020603050405020304" pitchFamily="18" charset="0"/>
-                </a:endParaRPr>
-              </a:p>
-            </p:txBody>
-          </p:sp>
-        </mc:Choice>
-        <mc:Fallback>
-          <p:sp>
-            <p:nvSpPr>
-              <p:cNvPr id="7" name="テキスト ボックス 6">
-                <a:extLst>
-                  <a:ext uri="{FF2B5EF4-FFF2-40B4-BE49-F238E27FC236}">
-                    <a16:creationId xmlns:a16="http://schemas.microsoft.com/office/drawing/2014/main" id="{650F04B6-63F3-FBEA-8A34-6E54239CA8BA}"/>
-                  </a:ext>
-                </a:extLst>
-              </p:cNvPr>
-              <p:cNvSpPr txBox="1">
-                <a:spLocks noRot="1" noChangeAspect="1" noMove="1" noResize="1" noEditPoints="1" noAdjustHandles="1" noChangeArrowheads="1" noChangeShapeType="1" noTextEdit="1"/>
-              </p:cNvSpPr>
-              <p:nvPr/>
-            </p:nvSpPr>
-            <p:spPr>
-              <a:xfrm>
-                <a:off x="200641" y="2058053"/>
-                <a:ext cx="13028964" cy="954107"/>
-              </a:xfrm>
-              <a:prstGeom prst="rect">
-                <a:avLst/>
-              </a:prstGeom>
-              <a:blipFill>
-                <a:blip r:embed="rId2"/>
-                <a:stretch>
-                  <a:fillRect l="-682" t="-7895" r="-974" b="-18421"/>
-                </a:stretch>
-              </a:blipFill>
-            </p:spPr>
-            <p:txBody>
-              <a:bodyPr/>
-              <a:lstStyle/>
-              <a:p>
-                <a:r>
-                  <a:rPr lang="ja-JP" altLang="en-US">
-                    <a:noFill/>
-                  </a:rPr>
-                  <a:t> </a:t>
-                </a:r>
-              </a:p>
-            </p:txBody>
-          </p:sp>
-        </mc:Fallback>
-      </mc:AlternateContent>
-      <mc:AlternateContent xmlns:mc="http://schemas.openxmlformats.org/markup-compatibility/2006">
-        <mc:Choice xmlns:a14="http://schemas.microsoft.com/office/drawing/2010/main" Requires="a14">
-          <p:sp>
-            <p:nvSpPr>
-              <p:cNvPr id="9" name="テキスト ボックス 8">
-                <a:extLst>
-                  <a:ext uri="{FF2B5EF4-FFF2-40B4-BE49-F238E27FC236}">
-                    <a16:creationId xmlns:a16="http://schemas.microsoft.com/office/drawing/2014/main" id="{D9DAC7FB-F44A-B414-1BA4-58FACB0EA363}"/>
-                  </a:ext>
-                </a:extLst>
-              </p:cNvPr>
-              <p:cNvSpPr txBox="1"/>
-              <p:nvPr/>
-            </p:nvSpPr>
-            <p:spPr>
-              <a:xfrm>
-                <a:off x="200641" y="3144103"/>
-                <a:ext cx="8240715" cy="523220"/>
-              </a:xfrm>
-              <a:prstGeom prst="rect">
-                <a:avLst/>
-              </a:prstGeom>
-              <a:noFill/>
-            </p:spPr>
-            <p:txBody>
-              <a:bodyPr wrap="square" rtlCol="0">
-                <a:spAutoFit/>
-              </a:bodyPr>
-              <a:lstStyle/>
-              <a:p>
-                <a:r>
-                  <a:rPr kumimoji="1" lang="ja-JP" altLang="en-US" sz="2400">
-                    <a:solidFill>
-                      <a:schemeClr val="tx1"/>
-                    </a:solidFill>
-                    <a:latin typeface="Times New Roman" panose="02020603050405020304" pitchFamily="18" charset="0"/>
-                    <a:ea typeface="YuKyokasho Medium" panose="02000500000000000000" pitchFamily="2" charset="-128"/>
-                    <a:cs typeface="Times New Roman" panose="02020603050405020304" pitchFamily="18" charset="0"/>
-                  </a:rPr>
-                  <a:t>✔︎</a:t>
-                </a:r>
-                <a:r>
-                  <a:rPr kumimoji="1" lang="en-US" altLang="ja-JP" sz="2400" dirty="0">
-                    <a:solidFill>
-                      <a:schemeClr val="tx1"/>
-                    </a:solidFill>
-                    <a:latin typeface="Times New Roman" panose="02020603050405020304" pitchFamily="18" charset="0"/>
-                    <a:ea typeface="YuKyokasho Medium" panose="02000500000000000000" pitchFamily="2" charset="-128"/>
-                    <a:cs typeface="Times New Roman" panose="02020603050405020304" pitchFamily="18" charset="0"/>
-                  </a:rPr>
-                  <a:t> </a:t>
-                </a:r>
-                <a:r>
-                  <a:rPr kumimoji="1" lang="en-US" altLang="ja-JP" sz="2800" dirty="0">
-                    <a:solidFill>
-                      <a:schemeClr val="accent2"/>
-                    </a:solidFill>
-                    <a:latin typeface="Times New Roman" panose="02020603050405020304" pitchFamily="18" charset="0"/>
-                    <a:ea typeface="YuKyokasho Medium" panose="02000500000000000000" pitchFamily="2" charset="-128"/>
-                    <a:cs typeface="Times New Roman" panose="02020603050405020304" pitchFamily="18" charset="0"/>
-                  </a:rPr>
-                  <a:t>Application: </a:t>
-                </a:r>
-                <a:r>
-                  <a:rPr kumimoji="1" lang="en-US" altLang="ja-JP" sz="2800" dirty="0">
-                    <a:solidFill>
-                      <a:schemeClr val="tx1"/>
-                    </a:solidFill>
-                    <a:latin typeface="Times New Roman" panose="02020603050405020304" pitchFamily="18" charset="0"/>
-                    <a:ea typeface="YuKyokasho Medium" panose="02000500000000000000" pitchFamily="2" charset="-128"/>
-                    <a:cs typeface="Times New Roman" panose="02020603050405020304" pitchFamily="18" charset="0"/>
-                  </a:rPr>
-                  <a:t>MPF algorithm for time-dependent </a:t>
-                </a:r>
-                <a14:m>
-                  <m:oMath xmlns:m="http://schemas.openxmlformats.org/officeDocument/2006/math">
-                    <m:r>
-                      <a:rPr kumimoji="1" lang="en-US" altLang="ja-JP" sz="2800" b="0" i="1" smtClean="0">
-                        <a:solidFill>
-                          <a:schemeClr val="tx1"/>
-                        </a:solidFill>
-                        <a:latin typeface="Cambria Math" panose="02040503050406030204" pitchFamily="18" charset="0"/>
-                        <a:ea typeface="YuKyokasho Medium" panose="02000500000000000000" pitchFamily="2" charset="-128"/>
-                        <a:cs typeface="Times New Roman" panose="02020603050405020304" pitchFamily="18" charset="0"/>
-                      </a:rPr>
-                      <m:t>𝐻</m:t>
-                    </m:r>
-                    <m:r>
-                      <a:rPr kumimoji="1" lang="en-US" altLang="ja-JP" sz="2800" b="0" i="1" smtClean="0">
-                        <a:solidFill>
-                          <a:schemeClr val="tx1"/>
-                        </a:solidFill>
-                        <a:latin typeface="Cambria Math" panose="02040503050406030204" pitchFamily="18" charset="0"/>
-                        <a:ea typeface="YuKyokasho Medium" panose="02000500000000000000" pitchFamily="2" charset="-128"/>
-                        <a:cs typeface="Times New Roman" panose="02020603050405020304" pitchFamily="18" charset="0"/>
-                      </a:rPr>
-                      <m:t>(</m:t>
-                    </m:r>
-                    <m:r>
-                      <a:rPr kumimoji="1" lang="en-US" altLang="ja-JP" sz="2800" b="0" i="1" smtClean="0">
-                        <a:solidFill>
-                          <a:schemeClr val="tx1"/>
-                        </a:solidFill>
-                        <a:latin typeface="Cambria Math" panose="02040503050406030204" pitchFamily="18" charset="0"/>
-                        <a:ea typeface="YuKyokasho Medium" panose="02000500000000000000" pitchFamily="2" charset="-128"/>
-                        <a:cs typeface="Times New Roman" panose="02020603050405020304" pitchFamily="18" charset="0"/>
-                      </a:rPr>
-                      <m:t>𝑡</m:t>
-                    </m:r>
-                    <m:r>
-                      <a:rPr kumimoji="1" lang="en-US" altLang="ja-JP" sz="2800" b="0" i="1" smtClean="0">
-                        <a:solidFill>
-                          <a:schemeClr val="tx1"/>
-                        </a:solidFill>
-                        <a:latin typeface="Cambria Math" panose="02040503050406030204" pitchFamily="18" charset="0"/>
-                        <a:ea typeface="YuKyokasho Medium" panose="02000500000000000000" pitchFamily="2" charset="-128"/>
-                        <a:cs typeface="Times New Roman" panose="02020603050405020304" pitchFamily="18" charset="0"/>
-                      </a:rPr>
-                      <m:t>)</m:t>
-                    </m:r>
-                  </m:oMath>
-                </a14:m>
-                <a:endParaRPr kumimoji="1" lang="ja-JP" altLang="en-US" sz="2800">
-                  <a:solidFill>
-                    <a:schemeClr val="accent2"/>
-                  </a:solidFill>
-                  <a:latin typeface="Times New Roman" panose="02020603050405020304" pitchFamily="18" charset="0"/>
-                  <a:ea typeface="YuKyokasho Medium" panose="02000500000000000000" pitchFamily="2" charset="-128"/>
-                  <a:cs typeface="Times New Roman" panose="02020603050405020304" pitchFamily="18" charset="0"/>
-                </a:endParaRPr>
-              </a:p>
-            </p:txBody>
-          </p:sp>
-        </mc:Choice>
-        <mc:Fallback>
-          <p:sp>
-            <p:nvSpPr>
-              <p:cNvPr id="9" name="テキスト ボックス 8">
-                <a:extLst>
-                  <a:ext uri="{FF2B5EF4-FFF2-40B4-BE49-F238E27FC236}">
-                    <a16:creationId xmlns:a16="http://schemas.microsoft.com/office/drawing/2014/main" id="{D9DAC7FB-F44A-B414-1BA4-58FACB0EA363}"/>
-                  </a:ext>
-                </a:extLst>
-              </p:cNvPr>
-              <p:cNvSpPr txBox="1">
-                <a:spLocks noRot="1" noChangeAspect="1" noMove="1" noResize="1" noEditPoints="1" noAdjustHandles="1" noChangeArrowheads="1" noChangeShapeType="1" noTextEdit="1"/>
-              </p:cNvSpPr>
-              <p:nvPr/>
-            </p:nvSpPr>
-            <p:spPr>
-              <a:xfrm>
-                <a:off x="200641" y="3144103"/>
-                <a:ext cx="8240715" cy="523220"/>
-              </a:xfrm>
-              <a:prstGeom prst="rect">
-                <a:avLst/>
-              </a:prstGeom>
-              <a:blipFill>
-                <a:blip r:embed="rId3"/>
-                <a:stretch>
-                  <a:fillRect l="-1077" t="-11905" r="-615" b="-33333"/>
-                </a:stretch>
-              </a:blipFill>
-            </p:spPr>
-            <p:txBody>
-              <a:bodyPr/>
-              <a:lstStyle/>
-              <a:p>
-                <a:r>
-                  <a:rPr lang="ja-JP" altLang="en-US">
-                    <a:noFill/>
-                  </a:rPr>
-                  <a:t> </a:t>
-                </a:r>
-              </a:p>
-            </p:txBody>
-          </p:sp>
-        </mc:Fallback>
-      </mc:AlternateContent>
-      <p:sp>
-        <p:nvSpPr>
-          <p:cNvPr id="11" name="テキスト ボックス 10">
-            <a:extLst>
-              <a:ext uri="{FF2B5EF4-FFF2-40B4-BE49-F238E27FC236}">
-                <a16:creationId xmlns:a16="http://schemas.microsoft.com/office/drawing/2014/main" id="{E965D3E0-F34D-1083-1D8A-376110F96F00}"/>
-              </a:ext>
-            </a:extLst>
-          </p:cNvPr>
-          <p:cNvSpPr txBox="1"/>
-          <p:nvPr/>
-        </p:nvSpPr>
-        <p:spPr>
-          <a:xfrm>
-            <a:off x="612239" y="3836974"/>
-            <a:ext cx="8240715" cy="461665"/>
-          </a:xfrm>
-          <a:prstGeom prst="rect">
-            <a:avLst/>
-          </a:prstGeom>
-          <a:noFill/>
-        </p:spPr>
-        <p:txBody>
-          <a:bodyPr wrap="square" rtlCol="0">
-            <a:spAutoFit/>
-          </a:bodyPr>
-          <a:lstStyle/>
-          <a:p>
-            <a:r>
-              <a:rPr kumimoji="1" lang="en-US" altLang="ja-JP" sz="2400" dirty="0">
+          <a:p>
+            <a:pPr algn="ctr"/>
+            <a:r>
+              <a:rPr lang="ja-JP" altLang="en-US" sz="3200">
                 <a:solidFill>
-                  <a:schemeClr val="tx1">
-                    <a:lumMod val="50000"/>
-                    <a:lumOff val="50000"/>
-                  </a:schemeClr>
+                  <a:schemeClr val="accent2"/>
                 </a:solidFill>
-                <a:latin typeface="Times New Roman" panose="02020603050405020304" pitchFamily="18" charset="0"/>
+                <a:latin typeface="YuKyokasho Medium" panose="02000500000000000000" pitchFamily="2" charset="-128"/>
                 <a:ea typeface="YuKyokasho Medium" panose="02000500000000000000" pitchFamily="2" charset="-128"/>
                 <a:cs typeface="Times New Roman" panose="02020603050405020304" pitchFamily="18" charset="0"/>
               </a:rPr>
-              <a:t>Other potential applications: </a:t>
-            </a:r>
-            <a:r>
-              <a:rPr kumimoji="1" lang="en-US" altLang="ja-JP" sz="2400" dirty="0">
-                <a:solidFill>
-                  <a:schemeClr val="tx1"/>
-                </a:solidFill>
-                <a:latin typeface="Times New Roman" panose="02020603050405020304" pitchFamily="18" charset="0"/>
-                <a:ea typeface="YuKyokasho Medium" panose="02000500000000000000" pitchFamily="2" charset="-128"/>
-                <a:cs typeface="Times New Roman" panose="02020603050405020304" pitchFamily="18" charset="0"/>
-              </a:rPr>
-              <a:t>Trotter extrapolation or interpolation</a:t>
-            </a:r>
-            <a:endParaRPr kumimoji="1" lang="ja-JP" altLang="en-US" sz="2400">
-              <a:solidFill>
-                <a:schemeClr val="tx1"/>
-              </a:solidFill>
-              <a:latin typeface="Times New Roman" panose="02020603050405020304" pitchFamily="18" charset="0"/>
-              <a:ea typeface="YuKyokasho Medium" panose="02000500000000000000" pitchFamily="2" charset="-128"/>
-              <a:cs typeface="Times New Roman" panose="02020603050405020304" pitchFamily="18" charset="0"/>
-            </a:endParaRPr>
-          </a:p>
-        </p:txBody>
-      </p:sp>
-      <p:sp>
-        <p:nvSpPr>
-          <p:cNvPr id="14" name="テキスト ボックス 13">
-            <a:extLst>
-              <a:ext uri="{FF2B5EF4-FFF2-40B4-BE49-F238E27FC236}">
-                <a16:creationId xmlns:a16="http://schemas.microsoft.com/office/drawing/2014/main" id="{20DE7C79-9516-DC9E-23FF-58059A81ADDA}"/>
-              </a:ext>
-            </a:extLst>
-          </p:cNvPr>
-          <p:cNvSpPr txBox="1"/>
-          <p:nvPr/>
-        </p:nvSpPr>
-        <p:spPr>
-          <a:xfrm>
-            <a:off x="5791229" y="3527160"/>
-            <a:ext cx="7630883" cy="369332"/>
-          </a:xfrm>
-          <a:prstGeom prst="rect">
-            <a:avLst/>
-          </a:prstGeom>
-          <a:noFill/>
-        </p:spPr>
-        <p:txBody>
-          <a:bodyPr wrap="square">
-            <a:spAutoFit/>
-          </a:bodyPr>
-          <a:lstStyle/>
-          <a:p>
-            <a:r>
-              <a:rPr lang="ja-JP" altLang="en-US">
-                <a:solidFill>
-                  <a:srgbClr val="002060"/>
-                </a:solidFill>
-                <a:latin typeface="Times New Roman" panose="02020603050405020304" pitchFamily="18" charset="0"/>
-                <a:cs typeface="Times New Roman" panose="02020603050405020304" pitchFamily="18" charset="0"/>
-              </a:rPr>
-              <a:t>K. Mizuta, T. N. Ikeda, and K. Fujii, arXiv:2410.14243 (2024) [QIP2025]</a:t>
-            </a:r>
-            <a:r>
-              <a:rPr lang="en-US" altLang="ja-JP" dirty="0">
-                <a:solidFill>
-                  <a:srgbClr val="002060"/>
-                </a:solidFill>
-                <a:latin typeface="Times New Roman" panose="02020603050405020304" pitchFamily="18" charset="0"/>
-                <a:cs typeface="Times New Roman" panose="02020603050405020304" pitchFamily="18" charset="0"/>
-              </a:rPr>
-              <a:t> </a:t>
-            </a:r>
-            <a:r>
-              <a:rPr lang="en-US" altLang="ja-JP" b="1" dirty="0">
-                <a:solidFill>
-                  <a:schemeClr val="accent2"/>
-                </a:solidFill>
-                <a:latin typeface="Times New Roman" panose="02020603050405020304" pitchFamily="18" charset="0"/>
-                <a:cs typeface="Times New Roman" panose="02020603050405020304" pitchFamily="18" charset="0"/>
-              </a:rPr>
-              <a:t>ver. 2</a:t>
-            </a:r>
-            <a:r>
-              <a:rPr lang="ja-JP" altLang="en-US" b="1">
-                <a:solidFill>
-                  <a:schemeClr val="accent2"/>
-                </a:solidFill>
-                <a:latin typeface="Times New Roman" panose="02020603050405020304" pitchFamily="18" charset="0"/>
-                <a:cs typeface="Times New Roman" panose="02020603050405020304" pitchFamily="18" charset="0"/>
-              </a:rPr>
-              <a:t>.</a:t>
-            </a:r>
-          </a:p>
-        </p:txBody>
-      </p:sp>
-      <p:sp>
-        <p:nvSpPr>
-          <p:cNvPr id="22" name="テキスト ボックス 21">
-            <a:extLst>
-              <a:ext uri="{FF2B5EF4-FFF2-40B4-BE49-F238E27FC236}">
-                <a16:creationId xmlns:a16="http://schemas.microsoft.com/office/drawing/2014/main" id="{B190506E-5DF8-16FB-BD0E-843AA11BBEF9}"/>
-              </a:ext>
-            </a:extLst>
-          </p:cNvPr>
-          <p:cNvSpPr txBox="1"/>
-          <p:nvPr/>
-        </p:nvSpPr>
-        <p:spPr>
-          <a:xfrm>
-            <a:off x="7958479" y="4173298"/>
-            <a:ext cx="5547971" cy="369332"/>
-          </a:xfrm>
-          <a:prstGeom prst="rect">
-            <a:avLst/>
-          </a:prstGeom>
-          <a:noFill/>
-        </p:spPr>
-        <p:txBody>
-          <a:bodyPr wrap="square">
-            <a:spAutoFit/>
-          </a:bodyPr>
-          <a:lstStyle/>
-          <a:p>
-            <a:r>
-              <a:rPr lang="en-US" altLang="ja-JP" dirty="0">
-                <a:solidFill>
-                  <a:srgbClr val="002060"/>
-                </a:solidFill>
-                <a:latin typeface="Times New Roman" panose="02020603050405020304" pitchFamily="18" charset="0"/>
-                <a:cs typeface="Times New Roman" panose="02020603050405020304" pitchFamily="18" charset="0"/>
-              </a:rPr>
-              <a:t>J. D. Watson, et al., </a:t>
-            </a:r>
-            <a:r>
-              <a:rPr lang="en" altLang="ja-JP" dirty="0">
-                <a:solidFill>
-                  <a:srgbClr val="002060"/>
-                </a:solidFill>
-                <a:latin typeface="Times New Roman" panose="02020603050405020304" pitchFamily="18" charset="0"/>
-                <a:cs typeface="Times New Roman" panose="02020603050405020304" pitchFamily="18" charset="0"/>
-              </a:rPr>
-              <a:t>PRX Quantum </a:t>
-            </a:r>
-            <a:r>
-              <a:rPr lang="en" altLang="ja-JP" b="1" dirty="0">
-                <a:solidFill>
-                  <a:srgbClr val="002060"/>
-                </a:solidFill>
-                <a:latin typeface="Times New Roman" panose="02020603050405020304" pitchFamily="18" charset="0"/>
-                <a:cs typeface="Times New Roman" panose="02020603050405020304" pitchFamily="18" charset="0"/>
-              </a:rPr>
-              <a:t>6</a:t>
-            </a:r>
-            <a:r>
-              <a:rPr lang="en" altLang="ja-JP" dirty="0">
-                <a:solidFill>
-                  <a:srgbClr val="002060"/>
-                </a:solidFill>
-                <a:latin typeface="Times New Roman" panose="02020603050405020304" pitchFamily="18" charset="0"/>
-                <a:cs typeface="Times New Roman" panose="02020603050405020304" pitchFamily="18" charset="0"/>
-              </a:rPr>
-              <a:t>, 030325 (2025), etc.</a:t>
-            </a:r>
-            <a:endParaRPr lang="ja-JP" altLang="en-US">
-              <a:solidFill>
-                <a:srgbClr val="002060"/>
-              </a:solidFill>
-              <a:latin typeface="Times New Roman" panose="02020603050405020304" pitchFamily="18" charset="0"/>
-              <a:cs typeface="Times New Roman" panose="02020603050405020304" pitchFamily="18" charset="0"/>
-            </a:endParaRPr>
+              <a:t>が最有力候補の一つ</a:t>
+            </a:r>
           </a:p>
         </p:txBody>
       </p:sp>
